--- a/module-4/cheatwood_mod4_2.pptx
+++ b/module-4/cheatwood_mod4_2.pptx
@@ -6,6 +6,7 @@
   </p:sldMasterIdLst>
   <p:sldIdLst>
     <p:sldId id="256" r:id="rId2"/>
+    <p:sldId id="257" r:id="rId3"/>
   </p:sldIdLst>
   <p:sldSz cx="12192000" cy="6858000"/>
   <p:notesSz cx="6858000" cy="9144000"/>
@@ -104,6 +105,11 @@
       </a:defRPr>
     </a:lvl9pPr>
   </p:defaultTextStyle>
+  <p:extLst>
+    <p:ext uri="{EFAFB233-063F-42B5-8137-9DF3F51BA10A}">
+      <p15:sldGuideLst xmlns:p15="http://schemas.microsoft.com/office/powerpoint/2012/main"/>
+    </p:ext>
+  </p:extLst>
 </p:presentation>
 </file>
 
@@ -4963,6 +4969,2957 @@
     <p:extLst>
       <p:ext uri="{BB962C8B-B14F-4D97-AF65-F5344CB8AC3E}">
         <p14:creationId xmlns:p14="http://schemas.microsoft.com/office/powerpoint/2010/main" val="1146793041"/>
+      </p:ext>
+    </p:extLst>
+  </p:cSld>
+  <p:clrMapOvr>
+    <a:masterClrMapping/>
+  </p:clrMapOvr>
+</p:sld>
+</file>
+
+<file path=ppt/slides/slide2.xml><?xml version="1.0" encoding="utf-8"?>
+<p:sld xmlns:a="http://schemas.openxmlformats.org/drawingml/2006/main" xmlns:r="http://schemas.openxmlformats.org/officeDocument/2006/relationships" xmlns:p="http://schemas.openxmlformats.org/presentationml/2006/main">
+  <p:cSld>
+    <p:spTree>
+      <p:nvGrpSpPr>
+        <p:cNvPr id="1" name="">
+          <a:extLst>
+            <a:ext uri="{FF2B5EF4-FFF2-40B4-BE49-F238E27FC236}">
+              <a16:creationId xmlns:a16="http://schemas.microsoft.com/office/drawing/2014/main" id="{6EA1E783-69AB-A8DC-5FD9-5F2EBAA29A8F}"/>
+            </a:ext>
+          </a:extLst>
+        </p:cNvPr>
+        <p:cNvGrpSpPr/>
+        <p:nvPr/>
+      </p:nvGrpSpPr>
+      <p:grpSpPr>
+        <a:xfrm>
+          <a:off x="0" y="0"/>
+          <a:ext cx="0" cy="0"/>
+          <a:chOff x="0" y="0"/>
+          <a:chExt cx="0" cy="0"/>
+        </a:xfrm>
+      </p:grpSpPr>
+      <p:sp>
+        <p:nvSpPr>
+          <p:cNvPr id="4" name="Flowchart: Terminator 3">
+            <a:extLst>
+              <a:ext uri="{FF2B5EF4-FFF2-40B4-BE49-F238E27FC236}">
+                <a16:creationId xmlns:a16="http://schemas.microsoft.com/office/drawing/2014/main" id="{AB1362AA-182D-C882-2EAD-9518BA38A774}"/>
+              </a:ext>
+            </a:extLst>
+          </p:cNvPr>
+          <p:cNvSpPr/>
+          <p:nvPr/>
+        </p:nvSpPr>
+        <p:spPr>
+          <a:xfrm>
+            <a:off x="521368" y="160421"/>
+            <a:ext cx="1860885" cy="513347"/>
+          </a:xfrm>
+          <a:prstGeom prst="flowChartTerminator">
+            <a:avLst/>
+          </a:prstGeom>
+        </p:spPr>
+        <p:style>
+          <a:lnRef idx="2">
+            <a:schemeClr val="accent1">
+              <a:shade val="15000"/>
+            </a:schemeClr>
+          </a:lnRef>
+          <a:fillRef idx="1">
+            <a:schemeClr val="accent1"/>
+          </a:fillRef>
+          <a:effectRef idx="0">
+            <a:schemeClr val="accent1"/>
+          </a:effectRef>
+          <a:fontRef idx="minor">
+            <a:schemeClr val="lt1"/>
+          </a:fontRef>
+        </p:style>
+        <p:txBody>
+          <a:bodyPr rtlCol="0" anchor="ctr"/>
+          <a:lstStyle/>
+          <a:p>
+            <a:pPr algn="ctr"/>
+            <a:r>
+              <a:rPr lang="en-US" dirty="0"/>
+              <a:t>START</a:t>
+            </a:r>
+          </a:p>
+        </p:txBody>
+      </p:sp>
+      <p:sp>
+        <p:nvSpPr>
+          <p:cNvPr id="5" name="Flowchart: Process 4">
+            <a:extLst>
+              <a:ext uri="{FF2B5EF4-FFF2-40B4-BE49-F238E27FC236}">
+                <a16:creationId xmlns:a16="http://schemas.microsoft.com/office/drawing/2014/main" id="{67DA53A9-3877-95F0-2A54-39371E07BE8C}"/>
+              </a:ext>
+            </a:extLst>
+          </p:cNvPr>
+          <p:cNvSpPr/>
+          <p:nvPr/>
+        </p:nvSpPr>
+        <p:spPr>
+          <a:xfrm>
+            <a:off x="224588" y="842211"/>
+            <a:ext cx="2454442" cy="545431"/>
+          </a:xfrm>
+          <a:prstGeom prst="flowChartProcess">
+            <a:avLst/>
+          </a:prstGeom>
+        </p:spPr>
+        <p:style>
+          <a:lnRef idx="2">
+            <a:schemeClr val="accent1">
+              <a:shade val="15000"/>
+            </a:schemeClr>
+          </a:lnRef>
+          <a:fillRef idx="1">
+            <a:schemeClr val="accent1"/>
+          </a:fillRef>
+          <a:effectRef idx="0">
+            <a:schemeClr val="accent1"/>
+          </a:effectRef>
+          <a:fontRef idx="minor">
+            <a:schemeClr val="lt1"/>
+          </a:fontRef>
+        </p:style>
+        <p:txBody>
+          <a:bodyPr rtlCol="0" anchor="ctr"/>
+          <a:lstStyle/>
+          <a:p>
+            <a:pPr algn="ctr"/>
+            <a:r>
+              <a:rPr lang="en-US" sz="1200" dirty="0"/>
+              <a:t>Imports: sys, csv, datetime, </a:t>
+            </a:r>
+            <a:r>
+              <a:rPr lang="en-US" sz="1200" dirty="0" err="1"/>
+              <a:t>matplotlib.pyplot</a:t>
+            </a:r>
+            <a:endParaRPr lang="en-US" sz="1200" dirty="0"/>
+          </a:p>
+        </p:txBody>
+      </p:sp>
+      <p:sp>
+        <p:nvSpPr>
+          <p:cNvPr id="6" name="Flowchart: Process 5">
+            <a:extLst>
+              <a:ext uri="{FF2B5EF4-FFF2-40B4-BE49-F238E27FC236}">
+                <a16:creationId xmlns:a16="http://schemas.microsoft.com/office/drawing/2014/main" id="{80FB783D-76E5-FD44-6CC9-C0E2F345C129}"/>
+              </a:ext>
+            </a:extLst>
+          </p:cNvPr>
+          <p:cNvSpPr/>
+          <p:nvPr/>
+        </p:nvSpPr>
+        <p:spPr>
+          <a:xfrm>
+            <a:off x="164430" y="1640305"/>
+            <a:ext cx="2574758" cy="545431"/>
+          </a:xfrm>
+          <a:prstGeom prst="flowChartProcess">
+            <a:avLst/>
+          </a:prstGeom>
+        </p:spPr>
+        <p:style>
+          <a:lnRef idx="2">
+            <a:schemeClr val="accent1">
+              <a:shade val="15000"/>
+            </a:schemeClr>
+          </a:lnRef>
+          <a:fillRef idx="1">
+            <a:schemeClr val="accent1"/>
+          </a:fillRef>
+          <a:effectRef idx="0">
+            <a:schemeClr val="accent1"/>
+          </a:effectRef>
+          <a:fontRef idx="minor">
+            <a:schemeClr val="lt1"/>
+          </a:fontRef>
+        </p:style>
+        <p:txBody>
+          <a:bodyPr rtlCol="0" anchor="ctr"/>
+          <a:lstStyle/>
+          <a:p>
+            <a:pPr algn="ctr"/>
+            <a:r>
+              <a:rPr lang="en-US" sz="1200" dirty="0"/>
+              <a:t>FILENAME = ‘sitka_weather_2018_simple.csv’</a:t>
+            </a:r>
+          </a:p>
+        </p:txBody>
+      </p:sp>
+      <p:sp>
+        <p:nvSpPr>
+          <p:cNvPr id="8" name="Flowchart: Data 7">
+            <a:extLst>
+              <a:ext uri="{FF2B5EF4-FFF2-40B4-BE49-F238E27FC236}">
+                <a16:creationId xmlns:a16="http://schemas.microsoft.com/office/drawing/2014/main" id="{34583500-CC79-AF93-3F48-D16287FE1AD1}"/>
+              </a:ext>
+            </a:extLst>
+          </p:cNvPr>
+          <p:cNvSpPr/>
+          <p:nvPr/>
+        </p:nvSpPr>
+        <p:spPr>
+          <a:xfrm>
+            <a:off x="17887" y="2334127"/>
+            <a:ext cx="2867845" cy="473242"/>
+          </a:xfrm>
+          <a:prstGeom prst="flowChartInputOutput">
+            <a:avLst/>
+          </a:prstGeom>
+        </p:spPr>
+        <p:style>
+          <a:lnRef idx="2">
+            <a:schemeClr val="accent1">
+              <a:shade val="15000"/>
+            </a:schemeClr>
+          </a:lnRef>
+          <a:fillRef idx="1">
+            <a:schemeClr val="accent1"/>
+          </a:fillRef>
+          <a:effectRef idx="0">
+            <a:schemeClr val="accent1"/>
+          </a:effectRef>
+          <a:fontRef idx="minor">
+            <a:schemeClr val="lt1"/>
+          </a:fontRef>
+        </p:style>
+        <p:txBody>
+          <a:bodyPr rtlCol="0" anchor="ctr"/>
+          <a:lstStyle/>
+          <a:p>
+            <a:pPr algn="ctr"/>
+            <a:r>
+              <a:rPr lang="en-US" sz="1050" dirty="0"/>
+              <a:t>Call </a:t>
+            </a:r>
+            <a:r>
+              <a:rPr lang="en-US" sz="1050" dirty="0" err="1"/>
+              <a:t>load_weather</a:t>
+            </a:r>
+            <a:r>
+              <a:rPr lang="en-US" sz="1050" dirty="0"/>
+              <a:t>(FILENAME)</a:t>
+            </a:r>
+          </a:p>
+        </p:txBody>
+      </p:sp>
+      <p:sp>
+        <p:nvSpPr>
+          <p:cNvPr id="9" name="Flowchart: Process 8">
+            <a:extLst>
+              <a:ext uri="{FF2B5EF4-FFF2-40B4-BE49-F238E27FC236}">
+                <a16:creationId xmlns:a16="http://schemas.microsoft.com/office/drawing/2014/main" id="{88D50464-4899-5135-AB03-73AC13A4EF7F}"/>
+              </a:ext>
+            </a:extLst>
+          </p:cNvPr>
+          <p:cNvSpPr/>
+          <p:nvPr/>
+        </p:nvSpPr>
+        <p:spPr>
+          <a:xfrm>
+            <a:off x="638577" y="2969798"/>
+            <a:ext cx="1626464" cy="545431"/>
+          </a:xfrm>
+          <a:prstGeom prst="flowChartProcess">
+            <a:avLst/>
+          </a:prstGeom>
+        </p:spPr>
+        <p:style>
+          <a:lnRef idx="2">
+            <a:schemeClr val="accent1">
+              <a:shade val="15000"/>
+            </a:schemeClr>
+          </a:lnRef>
+          <a:fillRef idx="1">
+            <a:schemeClr val="accent1"/>
+          </a:fillRef>
+          <a:effectRef idx="0">
+            <a:schemeClr val="accent1"/>
+          </a:effectRef>
+          <a:fontRef idx="minor">
+            <a:schemeClr val="lt1"/>
+          </a:fontRef>
+        </p:style>
+        <p:txBody>
+          <a:bodyPr rtlCol="0" anchor="ctr"/>
+          <a:lstStyle/>
+          <a:p>
+            <a:pPr algn="ctr"/>
+            <a:r>
+              <a:rPr lang="en-US" sz="1200" dirty="0"/>
+              <a:t>Inside </a:t>
+            </a:r>
+            <a:r>
+              <a:rPr lang="en-US" sz="1200" dirty="0" err="1"/>
+              <a:t>load_weather</a:t>
+            </a:r>
+            <a:endParaRPr lang="en-US" sz="1200" dirty="0"/>
+          </a:p>
+        </p:txBody>
+      </p:sp>
+      <p:sp>
+        <p:nvSpPr>
+          <p:cNvPr id="10" name="Flowchart: Process 9">
+            <a:extLst>
+              <a:ext uri="{FF2B5EF4-FFF2-40B4-BE49-F238E27FC236}">
+                <a16:creationId xmlns:a16="http://schemas.microsoft.com/office/drawing/2014/main" id="{7900DAD3-34C2-AC3B-F795-4525CA791C9F}"/>
+              </a:ext>
+            </a:extLst>
+          </p:cNvPr>
+          <p:cNvSpPr/>
+          <p:nvPr/>
+        </p:nvSpPr>
+        <p:spPr>
+          <a:xfrm>
+            <a:off x="104274" y="4983738"/>
+            <a:ext cx="3256547" cy="545431"/>
+          </a:xfrm>
+          <a:prstGeom prst="flowChartProcess">
+            <a:avLst/>
+          </a:prstGeom>
+        </p:spPr>
+        <p:style>
+          <a:lnRef idx="2">
+            <a:schemeClr val="accent1">
+              <a:shade val="15000"/>
+            </a:schemeClr>
+          </a:lnRef>
+          <a:fillRef idx="1">
+            <a:schemeClr val="accent1"/>
+          </a:fillRef>
+          <a:effectRef idx="0">
+            <a:schemeClr val="accent1"/>
+          </a:effectRef>
+          <a:fontRef idx="minor">
+            <a:schemeClr val="lt1"/>
+          </a:fontRef>
+        </p:style>
+        <p:txBody>
+          <a:bodyPr rtlCol="0" anchor="ctr"/>
+          <a:lstStyle/>
+          <a:p>
+            <a:pPr algn="ctr"/>
+            <a:r>
+              <a:rPr lang="en-US" sz="1200" dirty="0"/>
+              <a:t>Dates=[], highs=[], lows=[], skipped=0</a:t>
+            </a:r>
+          </a:p>
+        </p:txBody>
+      </p:sp>
+      <p:sp>
+        <p:nvSpPr>
+          <p:cNvPr id="12" name="Flowchart: Preparation 11">
+            <a:extLst>
+              <a:ext uri="{FF2B5EF4-FFF2-40B4-BE49-F238E27FC236}">
+                <a16:creationId xmlns:a16="http://schemas.microsoft.com/office/drawing/2014/main" id="{1025931C-19DB-2AB9-517A-42AE9DA5B3B8}"/>
+              </a:ext>
+            </a:extLst>
+          </p:cNvPr>
+          <p:cNvSpPr/>
+          <p:nvPr/>
+        </p:nvSpPr>
+        <p:spPr>
+          <a:xfrm>
+            <a:off x="4820652" y="256673"/>
+            <a:ext cx="2454442" cy="834190"/>
+          </a:xfrm>
+          <a:prstGeom prst="flowChartPreparation">
+            <a:avLst/>
+          </a:prstGeom>
+        </p:spPr>
+        <p:style>
+          <a:lnRef idx="2">
+            <a:schemeClr val="accent1">
+              <a:shade val="15000"/>
+            </a:schemeClr>
+          </a:lnRef>
+          <a:fillRef idx="1">
+            <a:schemeClr val="accent1"/>
+          </a:fillRef>
+          <a:effectRef idx="0">
+            <a:schemeClr val="accent1"/>
+          </a:effectRef>
+          <a:fontRef idx="minor">
+            <a:schemeClr val="lt1"/>
+          </a:fontRef>
+        </p:style>
+        <p:txBody>
+          <a:bodyPr rtlCol="0" anchor="ctr"/>
+          <a:lstStyle/>
+          <a:p>
+            <a:pPr algn="ctr"/>
+            <a:r>
+              <a:rPr lang="en-US" dirty="0"/>
+              <a:t>For each row in reader</a:t>
+            </a:r>
+          </a:p>
+        </p:txBody>
+      </p:sp>
+      <p:sp>
+        <p:nvSpPr>
+          <p:cNvPr id="13" name="Flowchart: Process 12">
+            <a:extLst>
+              <a:ext uri="{FF2B5EF4-FFF2-40B4-BE49-F238E27FC236}">
+                <a16:creationId xmlns:a16="http://schemas.microsoft.com/office/drawing/2014/main" id="{E8248956-A47F-FF5E-2DEF-0921041F7D06}"/>
+              </a:ext>
+            </a:extLst>
+          </p:cNvPr>
+          <p:cNvSpPr/>
+          <p:nvPr/>
+        </p:nvSpPr>
+        <p:spPr>
+          <a:xfrm>
+            <a:off x="4259179" y="1620253"/>
+            <a:ext cx="3015915" cy="545431"/>
+          </a:xfrm>
+          <a:prstGeom prst="flowChartProcess">
+            <a:avLst/>
+          </a:prstGeom>
+        </p:spPr>
+        <p:style>
+          <a:lnRef idx="2">
+            <a:schemeClr val="accent1">
+              <a:shade val="15000"/>
+            </a:schemeClr>
+          </a:lnRef>
+          <a:fillRef idx="1">
+            <a:schemeClr val="accent1"/>
+          </a:fillRef>
+          <a:effectRef idx="0">
+            <a:schemeClr val="accent1"/>
+          </a:effectRef>
+          <a:fontRef idx="minor">
+            <a:schemeClr val="lt1"/>
+          </a:fontRef>
+        </p:style>
+        <p:txBody>
+          <a:bodyPr rtlCol="0" anchor="ctr"/>
+          <a:lstStyle/>
+          <a:p>
+            <a:pPr algn="ctr"/>
+            <a:r>
+              <a:rPr lang="en-US" sz="1200" dirty="0"/>
+              <a:t>Try: parse date=row[2], high=row[5], low =row[6]</a:t>
+            </a:r>
+          </a:p>
+        </p:txBody>
+      </p:sp>
+      <p:sp>
+        <p:nvSpPr>
+          <p:cNvPr id="14" name="Flowchart: Process 13">
+            <a:extLst>
+              <a:ext uri="{FF2B5EF4-FFF2-40B4-BE49-F238E27FC236}">
+                <a16:creationId xmlns:a16="http://schemas.microsoft.com/office/drawing/2014/main" id="{EF9A0674-CFA1-0B71-097F-2E9576BB1271}"/>
+              </a:ext>
+            </a:extLst>
+          </p:cNvPr>
+          <p:cNvSpPr/>
+          <p:nvPr/>
+        </p:nvSpPr>
+        <p:spPr>
+          <a:xfrm>
+            <a:off x="4259178" y="2807369"/>
+            <a:ext cx="3015915" cy="192505"/>
+          </a:xfrm>
+          <a:prstGeom prst="flowChartProcess">
+            <a:avLst/>
+          </a:prstGeom>
+        </p:spPr>
+        <p:style>
+          <a:lnRef idx="2">
+            <a:schemeClr val="accent1">
+              <a:shade val="15000"/>
+            </a:schemeClr>
+          </a:lnRef>
+          <a:fillRef idx="1">
+            <a:schemeClr val="accent1"/>
+          </a:fillRef>
+          <a:effectRef idx="0">
+            <a:schemeClr val="accent1"/>
+          </a:effectRef>
+          <a:fontRef idx="minor">
+            <a:schemeClr val="lt1"/>
+          </a:fontRef>
+        </p:style>
+        <p:txBody>
+          <a:bodyPr rtlCol="0" anchor="ctr"/>
+          <a:lstStyle/>
+          <a:p>
+            <a:pPr algn="ctr"/>
+            <a:r>
+              <a:rPr lang="en-US" sz="1200" dirty="0"/>
+              <a:t>Append to lists (dates/highs/lows)</a:t>
+            </a:r>
+          </a:p>
+        </p:txBody>
+      </p:sp>
+      <p:sp>
+        <p:nvSpPr>
+          <p:cNvPr id="15" name="TextBox 14">
+            <a:extLst>
+              <a:ext uri="{FF2B5EF4-FFF2-40B4-BE49-F238E27FC236}">
+                <a16:creationId xmlns:a16="http://schemas.microsoft.com/office/drawing/2014/main" id="{2ED00BA6-ACEE-626B-960B-4C797400D4D6}"/>
+              </a:ext>
+            </a:extLst>
+          </p:cNvPr>
+          <p:cNvSpPr txBox="1"/>
+          <p:nvPr/>
+        </p:nvSpPr>
+        <p:spPr>
+          <a:xfrm>
+            <a:off x="4363130" y="3495036"/>
+            <a:ext cx="1338828" cy="276999"/>
+          </a:xfrm>
+          <a:prstGeom prst="rect">
+            <a:avLst/>
+          </a:prstGeom>
+          <a:noFill/>
+        </p:spPr>
+        <p:txBody>
+          <a:bodyPr wrap="none" rtlCol="0">
+            <a:spAutoFit/>
+          </a:bodyPr>
+          <a:lstStyle/>
+          <a:p>
+            <a:r>
+              <a:rPr lang="en-US" sz="1200" dirty="0"/>
+              <a:t>No (END OF FILE)</a:t>
+            </a:r>
+          </a:p>
+        </p:txBody>
+      </p:sp>
+      <p:sp>
+        <p:nvSpPr>
+          <p:cNvPr id="16" name="TextBox 15">
+            <a:extLst>
+              <a:ext uri="{FF2B5EF4-FFF2-40B4-BE49-F238E27FC236}">
+                <a16:creationId xmlns:a16="http://schemas.microsoft.com/office/drawing/2014/main" id="{CC6D75FB-408A-0603-5454-092E073CA16E}"/>
+              </a:ext>
+            </a:extLst>
+          </p:cNvPr>
+          <p:cNvSpPr txBox="1"/>
+          <p:nvPr/>
+        </p:nvSpPr>
+        <p:spPr>
+          <a:xfrm>
+            <a:off x="5507992" y="3222322"/>
+            <a:ext cx="1780937" cy="276999"/>
+          </a:xfrm>
+          <a:prstGeom prst="rect">
+            <a:avLst/>
+          </a:prstGeom>
+          <a:noFill/>
+        </p:spPr>
+        <p:txBody>
+          <a:bodyPr wrap="none" rtlCol="0">
+            <a:spAutoFit/>
+          </a:bodyPr>
+          <a:lstStyle/>
+          <a:p>
+            <a:r>
+              <a:rPr lang="en-US" sz="1200" dirty="0"/>
+              <a:t>(ITERATE TO NEXT ROW)</a:t>
+            </a:r>
+          </a:p>
+        </p:txBody>
+      </p:sp>
+      <p:sp>
+        <p:nvSpPr>
+          <p:cNvPr id="17" name="TextBox 16">
+            <a:extLst>
+              <a:ext uri="{FF2B5EF4-FFF2-40B4-BE49-F238E27FC236}">
+                <a16:creationId xmlns:a16="http://schemas.microsoft.com/office/drawing/2014/main" id="{167D3B1D-F510-8ED5-FD4F-052D6718083C}"/>
+              </a:ext>
+            </a:extLst>
+          </p:cNvPr>
+          <p:cNvSpPr txBox="1"/>
+          <p:nvPr/>
+        </p:nvSpPr>
+        <p:spPr>
+          <a:xfrm>
+            <a:off x="5416546" y="1217058"/>
+            <a:ext cx="1262653" cy="276999"/>
+          </a:xfrm>
+          <a:prstGeom prst="rect">
+            <a:avLst/>
+          </a:prstGeom>
+          <a:noFill/>
+        </p:spPr>
+        <p:txBody>
+          <a:bodyPr wrap="none" rtlCol="0">
+            <a:spAutoFit/>
+          </a:bodyPr>
+          <a:lstStyle/>
+          <a:p>
+            <a:r>
+              <a:rPr lang="en-US" sz="1200" dirty="0"/>
+              <a:t>Yes (NEXT ROW)</a:t>
+            </a:r>
+          </a:p>
+        </p:txBody>
+      </p:sp>
+      <p:cxnSp>
+        <p:nvCxnSpPr>
+          <p:cNvPr id="19" name="Straight Arrow Connector 18">
+            <a:extLst>
+              <a:ext uri="{FF2B5EF4-FFF2-40B4-BE49-F238E27FC236}">
+                <a16:creationId xmlns:a16="http://schemas.microsoft.com/office/drawing/2014/main" id="{907273A5-ED3A-7E93-B3B9-E454121A0FC8}"/>
+              </a:ext>
+            </a:extLst>
+          </p:cNvPr>
+          <p:cNvCxnSpPr/>
+          <p:nvPr/>
+        </p:nvCxnSpPr>
+        <p:spPr>
+          <a:xfrm>
+            <a:off x="5301916" y="1090863"/>
+            <a:ext cx="0" cy="529390"/>
+          </a:xfrm>
+          <a:prstGeom prst="straightConnector1">
+            <a:avLst/>
+          </a:prstGeom>
+          <a:ln>
+            <a:tailEnd type="triangle"/>
+          </a:ln>
+        </p:spPr>
+        <p:style>
+          <a:lnRef idx="2">
+            <a:schemeClr val="accent1"/>
+          </a:lnRef>
+          <a:fillRef idx="0">
+            <a:schemeClr val="accent1"/>
+          </a:fillRef>
+          <a:effectRef idx="1">
+            <a:schemeClr val="accent1"/>
+          </a:effectRef>
+          <a:fontRef idx="minor">
+            <a:schemeClr val="tx1"/>
+          </a:fontRef>
+        </p:style>
+      </p:cxnSp>
+      <p:cxnSp>
+        <p:nvCxnSpPr>
+          <p:cNvPr id="21" name="Straight Arrow Connector 20">
+            <a:extLst>
+              <a:ext uri="{FF2B5EF4-FFF2-40B4-BE49-F238E27FC236}">
+                <a16:creationId xmlns:a16="http://schemas.microsoft.com/office/drawing/2014/main" id="{89AD90C9-4125-054C-98E5-59DE04B27F7B}"/>
+              </a:ext>
+            </a:extLst>
+          </p:cNvPr>
+          <p:cNvCxnSpPr>
+            <a:cxnSpLocks/>
+          </p:cNvCxnSpPr>
+          <p:nvPr/>
+        </p:nvCxnSpPr>
+        <p:spPr>
+          <a:xfrm flipH="1">
+            <a:off x="5323893" y="2165684"/>
+            <a:ext cx="1" cy="641685"/>
+          </a:xfrm>
+          <a:prstGeom prst="straightConnector1">
+            <a:avLst/>
+          </a:prstGeom>
+          <a:ln>
+            <a:tailEnd type="triangle"/>
+          </a:ln>
+        </p:spPr>
+        <p:style>
+          <a:lnRef idx="2">
+            <a:schemeClr val="accent1"/>
+          </a:lnRef>
+          <a:fillRef idx="0">
+            <a:schemeClr val="accent1"/>
+          </a:fillRef>
+          <a:effectRef idx="1">
+            <a:schemeClr val="accent1"/>
+          </a:effectRef>
+          <a:fontRef idx="minor">
+            <a:schemeClr val="tx1"/>
+          </a:fontRef>
+        </p:style>
+      </p:cxnSp>
+      <p:cxnSp>
+        <p:nvCxnSpPr>
+          <p:cNvPr id="23" name="Connector: Elbow 22">
+            <a:extLst>
+              <a:ext uri="{FF2B5EF4-FFF2-40B4-BE49-F238E27FC236}">
+                <a16:creationId xmlns:a16="http://schemas.microsoft.com/office/drawing/2014/main" id="{4A00D9BA-18C3-BCA4-660F-56BE71B58085}"/>
+              </a:ext>
+            </a:extLst>
+          </p:cNvPr>
+          <p:cNvCxnSpPr>
+            <a:cxnSpLocks/>
+            <a:stCxn id="14" idx="2"/>
+            <a:endCxn id="16" idx="1"/>
+          </p:cNvCxnSpPr>
+          <p:nvPr/>
+        </p:nvCxnSpPr>
+        <p:spPr>
+          <a:xfrm rot="5400000">
+            <a:off x="5457090" y="3050776"/>
+            <a:ext cx="360948" cy="259144"/>
+          </a:xfrm>
+          <a:prstGeom prst="bentConnector4">
+            <a:avLst>
+              <a:gd name="adj1" fmla="val 30814"/>
+              <a:gd name="adj2" fmla="val 188214"/>
+            </a:avLst>
+          </a:prstGeom>
+          <a:ln>
+            <a:tailEnd type="triangle"/>
+          </a:ln>
+        </p:spPr>
+        <p:style>
+          <a:lnRef idx="2">
+            <a:schemeClr val="accent1"/>
+          </a:lnRef>
+          <a:fillRef idx="0">
+            <a:schemeClr val="accent1"/>
+          </a:fillRef>
+          <a:effectRef idx="1">
+            <a:schemeClr val="accent1"/>
+          </a:effectRef>
+          <a:fontRef idx="minor">
+            <a:schemeClr val="tx1"/>
+          </a:fontRef>
+        </p:style>
+      </p:cxnSp>
+      <p:cxnSp>
+        <p:nvCxnSpPr>
+          <p:cNvPr id="25" name="Connector: Elbow 24">
+            <a:extLst>
+              <a:ext uri="{FF2B5EF4-FFF2-40B4-BE49-F238E27FC236}">
+                <a16:creationId xmlns:a16="http://schemas.microsoft.com/office/drawing/2014/main" id="{0900DDAC-D7FB-9059-A995-5CA59592A446}"/>
+              </a:ext>
+            </a:extLst>
+          </p:cNvPr>
+          <p:cNvCxnSpPr>
+            <a:cxnSpLocks/>
+            <a:stCxn id="14" idx="1"/>
+            <a:endCxn id="26" idx="0"/>
+          </p:cNvCxnSpPr>
+          <p:nvPr/>
+        </p:nvCxnSpPr>
+        <p:spPr>
+          <a:xfrm rot="10800000" flipH="1" flipV="1">
+            <a:off x="4259178" y="2903622"/>
+            <a:ext cx="1377602" cy="1090866"/>
+          </a:xfrm>
+          <a:prstGeom prst="bentConnector4">
+            <a:avLst>
+              <a:gd name="adj1" fmla="val -16594"/>
+              <a:gd name="adj2" fmla="val 54412"/>
+            </a:avLst>
+          </a:prstGeom>
+          <a:ln>
+            <a:tailEnd type="triangle"/>
+          </a:ln>
+        </p:spPr>
+        <p:style>
+          <a:lnRef idx="2">
+            <a:schemeClr val="accent1"/>
+          </a:lnRef>
+          <a:fillRef idx="0">
+            <a:schemeClr val="accent1"/>
+          </a:fillRef>
+          <a:effectRef idx="1">
+            <a:schemeClr val="accent1"/>
+          </a:effectRef>
+          <a:fontRef idx="minor">
+            <a:schemeClr val="tx1"/>
+          </a:fontRef>
+        </p:style>
+      </p:cxnSp>
+      <p:sp>
+        <p:nvSpPr>
+          <p:cNvPr id="26" name="Flowchart: Process 25">
+            <a:extLst>
+              <a:ext uri="{FF2B5EF4-FFF2-40B4-BE49-F238E27FC236}">
+                <a16:creationId xmlns:a16="http://schemas.microsoft.com/office/drawing/2014/main" id="{FF65947D-CBC8-2BD9-6006-56F4BE76F6D4}"/>
+              </a:ext>
+            </a:extLst>
+          </p:cNvPr>
+          <p:cNvSpPr/>
+          <p:nvPr/>
+        </p:nvSpPr>
+        <p:spPr>
+          <a:xfrm>
+            <a:off x="4128822" y="3994488"/>
+            <a:ext cx="3015915" cy="272710"/>
+          </a:xfrm>
+          <a:prstGeom prst="flowChartProcess">
+            <a:avLst/>
+          </a:prstGeom>
+        </p:spPr>
+        <p:style>
+          <a:lnRef idx="2">
+            <a:schemeClr val="accent1">
+              <a:shade val="15000"/>
+            </a:schemeClr>
+          </a:lnRef>
+          <a:fillRef idx="1">
+            <a:schemeClr val="accent1"/>
+          </a:fillRef>
+          <a:effectRef idx="0">
+            <a:schemeClr val="accent1"/>
+          </a:effectRef>
+          <a:fontRef idx="minor">
+            <a:schemeClr val="lt1"/>
+          </a:fontRef>
+        </p:style>
+        <p:txBody>
+          <a:bodyPr rtlCol="0" anchor="ctr"/>
+          <a:lstStyle/>
+          <a:p>
+            <a:pPr algn="ctr"/>
+            <a:r>
+              <a:rPr lang="en-US" sz="1200" dirty="0"/>
+              <a:t>If skipped&gt;0: print info about skipped rows</a:t>
+            </a:r>
+          </a:p>
+        </p:txBody>
+      </p:sp>
+      <p:cxnSp>
+        <p:nvCxnSpPr>
+          <p:cNvPr id="32" name="Connector: Elbow 31">
+            <a:extLst>
+              <a:ext uri="{FF2B5EF4-FFF2-40B4-BE49-F238E27FC236}">
+                <a16:creationId xmlns:a16="http://schemas.microsoft.com/office/drawing/2014/main" id="{50D8BFDB-144E-A57D-CAFB-15C49F38DE40}"/>
+              </a:ext>
+            </a:extLst>
+          </p:cNvPr>
+          <p:cNvCxnSpPr>
+            <a:stCxn id="16" idx="3"/>
+            <a:endCxn id="17" idx="3"/>
+          </p:cNvCxnSpPr>
+          <p:nvPr/>
+        </p:nvCxnSpPr>
+        <p:spPr>
+          <a:xfrm flipH="1" flipV="1">
+            <a:off x="6679199" y="1355558"/>
+            <a:ext cx="609730" cy="2005264"/>
+          </a:xfrm>
+          <a:prstGeom prst="bentConnector3">
+            <a:avLst>
+              <a:gd name="adj1" fmla="val -26968"/>
+            </a:avLst>
+          </a:prstGeom>
+          <a:ln>
+            <a:tailEnd type="triangle"/>
+          </a:ln>
+        </p:spPr>
+        <p:style>
+          <a:lnRef idx="2">
+            <a:schemeClr val="accent1"/>
+          </a:lnRef>
+          <a:fillRef idx="0">
+            <a:schemeClr val="accent1"/>
+          </a:fillRef>
+          <a:effectRef idx="1">
+            <a:schemeClr val="accent1"/>
+          </a:effectRef>
+          <a:fontRef idx="minor">
+            <a:schemeClr val="tx1"/>
+          </a:fontRef>
+        </p:style>
+      </p:cxnSp>
+      <p:cxnSp>
+        <p:nvCxnSpPr>
+          <p:cNvPr id="34" name="Connector: Elbow 33">
+            <a:extLst>
+              <a:ext uri="{FF2B5EF4-FFF2-40B4-BE49-F238E27FC236}">
+                <a16:creationId xmlns:a16="http://schemas.microsoft.com/office/drawing/2014/main" id="{DBDB3E6B-CAD7-DB4E-17FA-7AC2ACE10189}"/>
+              </a:ext>
+            </a:extLst>
+          </p:cNvPr>
+          <p:cNvCxnSpPr>
+            <a:stCxn id="17" idx="1"/>
+          </p:cNvCxnSpPr>
+          <p:nvPr/>
+        </p:nvCxnSpPr>
+        <p:spPr>
+          <a:xfrm rot="10800000">
+            <a:off x="5331916" y="1355558"/>
+            <a:ext cx="84630" cy="1"/>
+          </a:xfrm>
+          <a:prstGeom prst="bentConnector3">
+            <a:avLst/>
+          </a:prstGeom>
+          <a:ln>
+            <a:tailEnd type="triangle"/>
+          </a:ln>
+        </p:spPr>
+        <p:style>
+          <a:lnRef idx="2">
+            <a:schemeClr val="accent1"/>
+          </a:lnRef>
+          <a:fillRef idx="0">
+            <a:schemeClr val="accent1"/>
+          </a:fillRef>
+          <a:effectRef idx="1">
+            <a:schemeClr val="accent1"/>
+          </a:effectRef>
+          <a:fontRef idx="minor">
+            <a:schemeClr val="tx1"/>
+          </a:fontRef>
+        </p:style>
+      </p:cxnSp>
+      <p:sp>
+        <p:nvSpPr>
+          <p:cNvPr id="36" name="Flowchart: Process 35">
+            <a:extLst>
+              <a:ext uri="{FF2B5EF4-FFF2-40B4-BE49-F238E27FC236}">
+                <a16:creationId xmlns:a16="http://schemas.microsoft.com/office/drawing/2014/main" id="{15031242-59B8-063E-6EC3-2CD3B76DC4A5}"/>
+              </a:ext>
+            </a:extLst>
+          </p:cNvPr>
+          <p:cNvSpPr/>
+          <p:nvPr/>
+        </p:nvSpPr>
+        <p:spPr>
+          <a:xfrm>
+            <a:off x="4128822" y="4489650"/>
+            <a:ext cx="3015915" cy="272710"/>
+          </a:xfrm>
+          <a:prstGeom prst="flowChartProcess">
+            <a:avLst/>
+          </a:prstGeom>
+        </p:spPr>
+        <p:style>
+          <a:lnRef idx="2">
+            <a:schemeClr val="accent1">
+              <a:shade val="15000"/>
+            </a:schemeClr>
+          </a:lnRef>
+          <a:fillRef idx="1">
+            <a:schemeClr val="accent1"/>
+          </a:fillRef>
+          <a:effectRef idx="0">
+            <a:schemeClr val="accent1"/>
+          </a:effectRef>
+          <a:fontRef idx="minor">
+            <a:schemeClr val="lt1"/>
+          </a:fontRef>
+        </p:style>
+        <p:txBody>
+          <a:bodyPr rtlCol="0" anchor="ctr"/>
+          <a:lstStyle/>
+          <a:p>
+            <a:pPr algn="ctr"/>
+            <a:r>
+              <a:rPr lang="en-US" sz="1200" dirty="0"/>
+              <a:t>Return dates, highs, lows</a:t>
+            </a:r>
+          </a:p>
+        </p:txBody>
+      </p:sp>
+      <p:sp>
+        <p:nvSpPr>
+          <p:cNvPr id="37" name="Flowchart: Process 36">
+            <a:extLst>
+              <a:ext uri="{FF2B5EF4-FFF2-40B4-BE49-F238E27FC236}">
+                <a16:creationId xmlns:a16="http://schemas.microsoft.com/office/drawing/2014/main" id="{C1053189-2F34-69EA-0468-3F644C215ACC}"/>
+              </a:ext>
+            </a:extLst>
+          </p:cNvPr>
+          <p:cNvSpPr/>
+          <p:nvPr/>
+        </p:nvSpPr>
+        <p:spPr>
+          <a:xfrm>
+            <a:off x="4063643" y="4965038"/>
+            <a:ext cx="3146272" cy="272710"/>
+          </a:xfrm>
+          <a:prstGeom prst="flowChartProcess">
+            <a:avLst/>
+          </a:prstGeom>
+        </p:spPr>
+        <p:style>
+          <a:lnRef idx="2">
+            <a:schemeClr val="accent1">
+              <a:shade val="15000"/>
+            </a:schemeClr>
+          </a:lnRef>
+          <a:fillRef idx="1">
+            <a:schemeClr val="accent1"/>
+          </a:fillRef>
+          <a:effectRef idx="0">
+            <a:schemeClr val="accent1"/>
+          </a:effectRef>
+          <a:fontRef idx="minor">
+            <a:schemeClr val="lt1"/>
+          </a:fontRef>
+        </p:style>
+        <p:txBody>
+          <a:bodyPr rtlCol="0" anchor="ctr"/>
+          <a:lstStyle/>
+          <a:p>
+            <a:pPr algn="ctr"/>
+            <a:r>
+              <a:rPr lang="en-US" sz="1200" dirty="0"/>
+              <a:t>Back in main: have dates/highs/lows</a:t>
+            </a:r>
+          </a:p>
+        </p:txBody>
+      </p:sp>
+      <p:sp>
+        <p:nvSpPr>
+          <p:cNvPr id="40" name="Flowchart: Terminator 39">
+            <a:extLst>
+              <a:ext uri="{FF2B5EF4-FFF2-40B4-BE49-F238E27FC236}">
+                <a16:creationId xmlns:a16="http://schemas.microsoft.com/office/drawing/2014/main" id="{9875C77B-190E-A0B9-CAD5-875E3816C3B9}"/>
+              </a:ext>
+            </a:extLst>
+          </p:cNvPr>
+          <p:cNvSpPr/>
+          <p:nvPr/>
+        </p:nvSpPr>
+        <p:spPr>
+          <a:xfrm>
+            <a:off x="8895346" y="6160176"/>
+            <a:ext cx="1860885" cy="513347"/>
+          </a:xfrm>
+          <a:prstGeom prst="flowChartTerminator">
+            <a:avLst/>
+          </a:prstGeom>
+        </p:spPr>
+        <p:style>
+          <a:lnRef idx="2">
+            <a:schemeClr val="accent1">
+              <a:shade val="15000"/>
+            </a:schemeClr>
+          </a:lnRef>
+          <a:fillRef idx="1">
+            <a:schemeClr val="accent1"/>
+          </a:fillRef>
+          <a:effectRef idx="0">
+            <a:schemeClr val="accent1"/>
+          </a:effectRef>
+          <a:fontRef idx="minor">
+            <a:schemeClr val="lt1"/>
+          </a:fontRef>
+        </p:style>
+        <p:txBody>
+          <a:bodyPr rtlCol="0" anchor="ctr"/>
+          <a:lstStyle/>
+          <a:p>
+            <a:pPr algn="ctr"/>
+            <a:r>
+              <a:rPr lang="en-US" dirty="0"/>
+              <a:t>END</a:t>
+            </a:r>
+          </a:p>
+        </p:txBody>
+      </p:sp>
+      <p:cxnSp>
+        <p:nvCxnSpPr>
+          <p:cNvPr id="42" name="Straight Arrow Connector 41">
+            <a:extLst>
+              <a:ext uri="{FF2B5EF4-FFF2-40B4-BE49-F238E27FC236}">
+                <a16:creationId xmlns:a16="http://schemas.microsoft.com/office/drawing/2014/main" id="{BE1B8D98-EEEE-CD03-1B51-203727C577FE}"/>
+              </a:ext>
+            </a:extLst>
+          </p:cNvPr>
+          <p:cNvCxnSpPr>
+            <a:stCxn id="4" idx="2"/>
+            <a:endCxn id="5" idx="0"/>
+          </p:cNvCxnSpPr>
+          <p:nvPr/>
+        </p:nvCxnSpPr>
+        <p:spPr>
+          <a:xfrm flipH="1">
+            <a:off x="1451809" y="673768"/>
+            <a:ext cx="2" cy="168443"/>
+          </a:xfrm>
+          <a:prstGeom prst="straightConnector1">
+            <a:avLst/>
+          </a:prstGeom>
+          <a:ln>
+            <a:tailEnd type="triangle"/>
+          </a:ln>
+        </p:spPr>
+        <p:style>
+          <a:lnRef idx="2">
+            <a:schemeClr val="accent1"/>
+          </a:lnRef>
+          <a:fillRef idx="0">
+            <a:schemeClr val="accent1"/>
+          </a:fillRef>
+          <a:effectRef idx="1">
+            <a:schemeClr val="accent1"/>
+          </a:effectRef>
+          <a:fontRef idx="minor">
+            <a:schemeClr val="tx1"/>
+          </a:fontRef>
+        </p:style>
+      </p:cxnSp>
+      <p:cxnSp>
+        <p:nvCxnSpPr>
+          <p:cNvPr id="45" name="Straight Arrow Connector 44">
+            <a:extLst>
+              <a:ext uri="{FF2B5EF4-FFF2-40B4-BE49-F238E27FC236}">
+                <a16:creationId xmlns:a16="http://schemas.microsoft.com/office/drawing/2014/main" id="{2AA7CEE5-5FE9-616A-380F-B3C8C42FEA7D}"/>
+              </a:ext>
+            </a:extLst>
+          </p:cNvPr>
+          <p:cNvCxnSpPr>
+            <a:stCxn id="5" idx="2"/>
+            <a:endCxn id="6" idx="0"/>
+          </p:cNvCxnSpPr>
+          <p:nvPr/>
+        </p:nvCxnSpPr>
+        <p:spPr>
+          <a:xfrm>
+            <a:off x="1451809" y="1387642"/>
+            <a:ext cx="0" cy="252663"/>
+          </a:xfrm>
+          <a:prstGeom prst="straightConnector1">
+            <a:avLst/>
+          </a:prstGeom>
+          <a:ln>
+            <a:tailEnd type="triangle"/>
+          </a:ln>
+        </p:spPr>
+        <p:style>
+          <a:lnRef idx="2">
+            <a:schemeClr val="accent1"/>
+          </a:lnRef>
+          <a:fillRef idx="0">
+            <a:schemeClr val="accent1"/>
+          </a:fillRef>
+          <a:effectRef idx="1">
+            <a:schemeClr val="accent1"/>
+          </a:effectRef>
+          <a:fontRef idx="minor">
+            <a:schemeClr val="tx1"/>
+          </a:fontRef>
+        </p:style>
+      </p:cxnSp>
+      <p:cxnSp>
+        <p:nvCxnSpPr>
+          <p:cNvPr id="48" name="Straight Arrow Connector 47">
+            <a:extLst>
+              <a:ext uri="{FF2B5EF4-FFF2-40B4-BE49-F238E27FC236}">
+                <a16:creationId xmlns:a16="http://schemas.microsoft.com/office/drawing/2014/main" id="{CC9DFC10-EF63-3CC5-BDDF-111DB8604EEB}"/>
+              </a:ext>
+            </a:extLst>
+          </p:cNvPr>
+          <p:cNvCxnSpPr>
+            <a:cxnSpLocks/>
+            <a:stCxn id="6" idx="2"/>
+            <a:endCxn id="8" idx="1"/>
+          </p:cNvCxnSpPr>
+          <p:nvPr/>
+        </p:nvCxnSpPr>
+        <p:spPr>
+          <a:xfrm>
+            <a:off x="1451809" y="2185736"/>
+            <a:ext cx="1" cy="148391"/>
+          </a:xfrm>
+          <a:prstGeom prst="straightConnector1">
+            <a:avLst/>
+          </a:prstGeom>
+          <a:ln>
+            <a:tailEnd type="triangle"/>
+          </a:ln>
+        </p:spPr>
+        <p:style>
+          <a:lnRef idx="2">
+            <a:schemeClr val="accent1"/>
+          </a:lnRef>
+          <a:fillRef idx="0">
+            <a:schemeClr val="accent1"/>
+          </a:fillRef>
+          <a:effectRef idx="1">
+            <a:schemeClr val="accent1"/>
+          </a:effectRef>
+          <a:fontRef idx="minor">
+            <a:schemeClr val="tx1"/>
+          </a:fontRef>
+        </p:style>
+      </p:cxnSp>
+      <p:cxnSp>
+        <p:nvCxnSpPr>
+          <p:cNvPr id="51" name="Straight Arrow Connector 50">
+            <a:extLst>
+              <a:ext uri="{FF2B5EF4-FFF2-40B4-BE49-F238E27FC236}">
+                <a16:creationId xmlns:a16="http://schemas.microsoft.com/office/drawing/2014/main" id="{B312BEE2-ABD3-E494-6AD7-CD4ED4372026}"/>
+              </a:ext>
+            </a:extLst>
+          </p:cNvPr>
+          <p:cNvCxnSpPr>
+            <a:cxnSpLocks/>
+            <a:stCxn id="8" idx="4"/>
+            <a:endCxn id="9" idx="0"/>
+          </p:cNvCxnSpPr>
+          <p:nvPr/>
+        </p:nvCxnSpPr>
+        <p:spPr>
+          <a:xfrm flipH="1">
+            <a:off x="1451809" y="2807369"/>
+            <a:ext cx="1" cy="162429"/>
+          </a:xfrm>
+          <a:prstGeom prst="straightConnector1">
+            <a:avLst/>
+          </a:prstGeom>
+          <a:ln>
+            <a:tailEnd type="triangle"/>
+          </a:ln>
+        </p:spPr>
+        <p:style>
+          <a:lnRef idx="2">
+            <a:schemeClr val="accent1"/>
+          </a:lnRef>
+          <a:fillRef idx="0">
+            <a:schemeClr val="accent1"/>
+          </a:fillRef>
+          <a:effectRef idx="1">
+            <a:schemeClr val="accent1"/>
+          </a:effectRef>
+          <a:fontRef idx="minor">
+            <a:schemeClr val="tx1"/>
+          </a:fontRef>
+        </p:style>
+      </p:cxnSp>
+      <p:cxnSp>
+        <p:nvCxnSpPr>
+          <p:cNvPr id="53" name="Straight Arrow Connector 52">
+            <a:extLst>
+              <a:ext uri="{FF2B5EF4-FFF2-40B4-BE49-F238E27FC236}">
+                <a16:creationId xmlns:a16="http://schemas.microsoft.com/office/drawing/2014/main" id="{6AA3E52B-EA49-7790-E6FA-730F0E130E8D}"/>
+              </a:ext>
+            </a:extLst>
+          </p:cNvPr>
+          <p:cNvCxnSpPr>
+            <a:cxnSpLocks/>
+            <a:stCxn id="9" idx="2"/>
+            <a:endCxn id="41" idx="1"/>
+          </p:cNvCxnSpPr>
+          <p:nvPr/>
+        </p:nvCxnSpPr>
+        <p:spPr>
+          <a:xfrm>
+            <a:off x="1451809" y="3515229"/>
+            <a:ext cx="0" cy="240768"/>
+          </a:xfrm>
+          <a:prstGeom prst="straightConnector1">
+            <a:avLst/>
+          </a:prstGeom>
+          <a:ln>
+            <a:tailEnd type="triangle"/>
+          </a:ln>
+        </p:spPr>
+        <p:style>
+          <a:lnRef idx="2">
+            <a:schemeClr val="accent1"/>
+          </a:lnRef>
+          <a:fillRef idx="0">
+            <a:schemeClr val="accent1"/>
+          </a:fillRef>
+          <a:effectRef idx="1">
+            <a:schemeClr val="accent1"/>
+          </a:effectRef>
+          <a:fontRef idx="minor">
+            <a:schemeClr val="tx1"/>
+          </a:fontRef>
+        </p:style>
+      </p:cxnSp>
+      <p:cxnSp>
+        <p:nvCxnSpPr>
+          <p:cNvPr id="57" name="Connector: Elbow 56">
+            <a:extLst>
+              <a:ext uri="{FF2B5EF4-FFF2-40B4-BE49-F238E27FC236}">
+                <a16:creationId xmlns:a16="http://schemas.microsoft.com/office/drawing/2014/main" id="{FFA6159B-63F8-81ED-00B8-D0031CE6D3A2}"/>
+              </a:ext>
+            </a:extLst>
+          </p:cNvPr>
+          <p:cNvCxnSpPr>
+            <a:cxnSpLocks/>
+            <a:stCxn id="10" idx="3"/>
+            <a:endCxn id="12" idx="1"/>
+          </p:cNvCxnSpPr>
+          <p:nvPr/>
+        </p:nvCxnSpPr>
+        <p:spPr>
+          <a:xfrm flipV="1">
+            <a:off x="3360821" y="673768"/>
+            <a:ext cx="1459831" cy="4582686"/>
+          </a:xfrm>
+          <a:prstGeom prst="bentConnector3">
+            <a:avLst>
+              <a:gd name="adj1" fmla="val 25275"/>
+            </a:avLst>
+          </a:prstGeom>
+          <a:ln>
+            <a:tailEnd type="triangle"/>
+          </a:ln>
+        </p:spPr>
+        <p:style>
+          <a:lnRef idx="2">
+            <a:schemeClr val="accent1"/>
+          </a:lnRef>
+          <a:fillRef idx="0">
+            <a:schemeClr val="accent1"/>
+          </a:fillRef>
+          <a:effectRef idx="1">
+            <a:schemeClr val="accent1"/>
+          </a:effectRef>
+          <a:fontRef idx="minor">
+            <a:schemeClr val="tx1"/>
+          </a:fontRef>
+        </p:style>
+      </p:cxnSp>
+      <p:cxnSp>
+        <p:nvCxnSpPr>
+          <p:cNvPr id="60" name="Straight Arrow Connector 59">
+            <a:extLst>
+              <a:ext uri="{FF2B5EF4-FFF2-40B4-BE49-F238E27FC236}">
+                <a16:creationId xmlns:a16="http://schemas.microsoft.com/office/drawing/2014/main" id="{34502102-D7FA-C17D-DBDA-2F89303EAA08}"/>
+              </a:ext>
+            </a:extLst>
+          </p:cNvPr>
+          <p:cNvCxnSpPr>
+            <a:stCxn id="26" idx="2"/>
+            <a:endCxn id="36" idx="0"/>
+          </p:cNvCxnSpPr>
+          <p:nvPr/>
+        </p:nvCxnSpPr>
+        <p:spPr>
+          <a:xfrm>
+            <a:off x="5636780" y="4267198"/>
+            <a:ext cx="0" cy="222452"/>
+          </a:xfrm>
+          <a:prstGeom prst="straightConnector1">
+            <a:avLst/>
+          </a:prstGeom>
+          <a:ln>
+            <a:tailEnd type="triangle"/>
+          </a:ln>
+        </p:spPr>
+        <p:style>
+          <a:lnRef idx="2">
+            <a:schemeClr val="accent1"/>
+          </a:lnRef>
+          <a:fillRef idx="0">
+            <a:schemeClr val="accent1"/>
+          </a:fillRef>
+          <a:effectRef idx="1">
+            <a:schemeClr val="accent1"/>
+          </a:effectRef>
+          <a:fontRef idx="minor">
+            <a:schemeClr val="tx1"/>
+          </a:fontRef>
+        </p:style>
+      </p:cxnSp>
+      <p:cxnSp>
+        <p:nvCxnSpPr>
+          <p:cNvPr id="62" name="Straight Arrow Connector 61">
+            <a:extLst>
+              <a:ext uri="{FF2B5EF4-FFF2-40B4-BE49-F238E27FC236}">
+                <a16:creationId xmlns:a16="http://schemas.microsoft.com/office/drawing/2014/main" id="{11D53F76-4767-4982-758A-5749BD3DA746}"/>
+              </a:ext>
+            </a:extLst>
+          </p:cNvPr>
+          <p:cNvCxnSpPr>
+            <a:stCxn id="36" idx="2"/>
+            <a:endCxn id="37" idx="0"/>
+          </p:cNvCxnSpPr>
+          <p:nvPr/>
+        </p:nvCxnSpPr>
+        <p:spPr>
+          <a:xfrm flipH="1">
+            <a:off x="5636779" y="4762360"/>
+            <a:ext cx="1" cy="202678"/>
+          </a:xfrm>
+          <a:prstGeom prst="straightConnector1">
+            <a:avLst/>
+          </a:prstGeom>
+          <a:ln>
+            <a:tailEnd type="triangle"/>
+          </a:ln>
+        </p:spPr>
+        <p:style>
+          <a:lnRef idx="2">
+            <a:schemeClr val="accent1"/>
+          </a:lnRef>
+          <a:fillRef idx="0">
+            <a:schemeClr val="accent1"/>
+          </a:fillRef>
+          <a:effectRef idx="1">
+            <a:schemeClr val="accent1"/>
+          </a:effectRef>
+          <a:fontRef idx="minor">
+            <a:schemeClr val="tx1"/>
+          </a:fontRef>
+        </p:style>
+      </p:cxnSp>
+      <p:sp>
+        <p:nvSpPr>
+          <p:cNvPr id="41" name="Flowchart: Data 40">
+            <a:extLst>
+              <a:ext uri="{FF2B5EF4-FFF2-40B4-BE49-F238E27FC236}">
+                <a16:creationId xmlns:a16="http://schemas.microsoft.com/office/drawing/2014/main" id="{3202D85B-F0CD-F77D-EEF0-9E45244E14E5}"/>
+              </a:ext>
+            </a:extLst>
+          </p:cNvPr>
+          <p:cNvSpPr/>
+          <p:nvPr/>
+        </p:nvSpPr>
+        <p:spPr>
+          <a:xfrm>
+            <a:off x="17886" y="3755997"/>
+            <a:ext cx="2867845" cy="473242"/>
+          </a:xfrm>
+          <a:prstGeom prst="flowChartInputOutput">
+            <a:avLst/>
+          </a:prstGeom>
+        </p:spPr>
+        <p:style>
+          <a:lnRef idx="2">
+            <a:schemeClr val="accent1">
+              <a:shade val="15000"/>
+            </a:schemeClr>
+          </a:lnRef>
+          <a:fillRef idx="1">
+            <a:schemeClr val="accent1"/>
+          </a:fillRef>
+          <a:effectRef idx="0">
+            <a:schemeClr val="accent1"/>
+          </a:effectRef>
+          <a:fontRef idx="minor">
+            <a:schemeClr val="lt1"/>
+          </a:fontRef>
+        </p:style>
+        <p:txBody>
+          <a:bodyPr rtlCol="0" anchor="ctr"/>
+          <a:lstStyle/>
+          <a:p>
+            <a:pPr algn="ctr"/>
+            <a:r>
+              <a:rPr lang="en-US" sz="1050" dirty="0"/>
+              <a:t>Try: open CSV, </a:t>
+            </a:r>
+            <a:r>
+              <a:rPr lang="en-US" sz="1050" dirty="0" err="1"/>
+              <a:t>csv.reader</a:t>
+            </a:r>
+            <a:r>
+              <a:rPr lang="en-US" sz="1050" dirty="0"/>
+              <a:t>, header = next(reader)</a:t>
+            </a:r>
+          </a:p>
+        </p:txBody>
+      </p:sp>
+      <p:sp>
+        <p:nvSpPr>
+          <p:cNvPr id="49" name="Flowchart: Process 48">
+            <a:extLst>
+              <a:ext uri="{FF2B5EF4-FFF2-40B4-BE49-F238E27FC236}">
+                <a16:creationId xmlns:a16="http://schemas.microsoft.com/office/drawing/2014/main" id="{6FF34315-0254-C904-7EDF-FEC8EAA7F9FE}"/>
+              </a:ext>
+            </a:extLst>
+          </p:cNvPr>
+          <p:cNvSpPr/>
+          <p:nvPr/>
+        </p:nvSpPr>
+        <p:spPr>
+          <a:xfrm>
+            <a:off x="1716956" y="4471738"/>
+            <a:ext cx="1643865" cy="272710"/>
+          </a:xfrm>
+          <a:prstGeom prst="flowChartProcess">
+            <a:avLst/>
+          </a:prstGeom>
+        </p:spPr>
+        <p:style>
+          <a:lnRef idx="2">
+            <a:schemeClr val="accent1">
+              <a:shade val="15000"/>
+            </a:schemeClr>
+          </a:lnRef>
+          <a:fillRef idx="1">
+            <a:schemeClr val="accent1"/>
+          </a:fillRef>
+          <a:effectRef idx="0">
+            <a:schemeClr val="accent1"/>
+          </a:effectRef>
+          <a:fontRef idx="minor">
+            <a:schemeClr val="lt1"/>
+          </a:fontRef>
+        </p:style>
+        <p:txBody>
+          <a:bodyPr rtlCol="0" anchor="ctr"/>
+          <a:lstStyle/>
+          <a:p>
+            <a:pPr algn="ctr"/>
+            <a:r>
+              <a:rPr lang="en-US" sz="1200" dirty="0"/>
+              <a:t>Print error; </a:t>
+            </a:r>
+            <a:r>
+              <a:rPr lang="en-US" sz="1200" dirty="0" err="1"/>
+              <a:t>sys.exit</a:t>
+            </a:r>
+            <a:r>
+              <a:rPr lang="en-US" sz="1200" dirty="0"/>
+              <a:t>(1)</a:t>
+            </a:r>
+          </a:p>
+        </p:txBody>
+      </p:sp>
+      <p:sp>
+        <p:nvSpPr>
+          <p:cNvPr id="61" name="TextBox 60">
+            <a:extLst>
+              <a:ext uri="{FF2B5EF4-FFF2-40B4-BE49-F238E27FC236}">
+                <a16:creationId xmlns:a16="http://schemas.microsoft.com/office/drawing/2014/main" id="{970B1AC3-57E0-F186-0F31-53A0657091CF}"/>
+              </a:ext>
+            </a:extLst>
+          </p:cNvPr>
+          <p:cNvSpPr txBox="1"/>
+          <p:nvPr/>
+        </p:nvSpPr>
+        <p:spPr>
+          <a:xfrm>
+            <a:off x="1619453" y="4239924"/>
+            <a:ext cx="1887824" cy="276999"/>
+          </a:xfrm>
+          <a:prstGeom prst="rect">
+            <a:avLst/>
+          </a:prstGeom>
+          <a:noFill/>
+        </p:spPr>
+        <p:txBody>
+          <a:bodyPr wrap="none" rtlCol="0">
+            <a:spAutoFit/>
+          </a:bodyPr>
+          <a:lstStyle/>
+          <a:p>
+            <a:r>
+              <a:rPr lang="en-US" sz="1200" dirty="0"/>
+              <a:t>Except </a:t>
+            </a:r>
+            <a:r>
+              <a:rPr lang="en-US" sz="1200" dirty="0" err="1"/>
+              <a:t>FileNotFoundError</a:t>
+            </a:r>
+            <a:endParaRPr lang="en-US" sz="1200" dirty="0"/>
+          </a:p>
+        </p:txBody>
+      </p:sp>
+      <p:cxnSp>
+        <p:nvCxnSpPr>
+          <p:cNvPr id="65" name="Connector: Elbow 64">
+            <a:extLst>
+              <a:ext uri="{FF2B5EF4-FFF2-40B4-BE49-F238E27FC236}">
+                <a16:creationId xmlns:a16="http://schemas.microsoft.com/office/drawing/2014/main" id="{BF486644-9F8B-0E4D-AB5E-41AF9B5F3C0E}"/>
+              </a:ext>
+            </a:extLst>
+          </p:cNvPr>
+          <p:cNvCxnSpPr>
+            <a:stCxn id="41" idx="4"/>
+            <a:endCxn id="49" idx="1"/>
+          </p:cNvCxnSpPr>
+          <p:nvPr/>
+        </p:nvCxnSpPr>
+        <p:spPr>
+          <a:xfrm rot="16200000" flipH="1">
+            <a:off x="1394955" y="4286092"/>
+            <a:ext cx="378854" cy="265147"/>
+          </a:xfrm>
+          <a:prstGeom prst="bentConnector2">
+            <a:avLst/>
+          </a:prstGeom>
+          <a:ln>
+            <a:tailEnd type="triangle"/>
+          </a:ln>
+        </p:spPr>
+        <p:style>
+          <a:lnRef idx="2">
+            <a:schemeClr val="accent1"/>
+          </a:lnRef>
+          <a:fillRef idx="0">
+            <a:schemeClr val="accent1"/>
+          </a:fillRef>
+          <a:effectRef idx="1">
+            <a:schemeClr val="accent1"/>
+          </a:effectRef>
+          <a:fontRef idx="minor">
+            <a:schemeClr val="tx1"/>
+          </a:fontRef>
+        </p:style>
+      </p:cxnSp>
+      <p:cxnSp>
+        <p:nvCxnSpPr>
+          <p:cNvPr id="68" name="Straight Arrow Connector 67">
+            <a:extLst>
+              <a:ext uri="{FF2B5EF4-FFF2-40B4-BE49-F238E27FC236}">
+                <a16:creationId xmlns:a16="http://schemas.microsoft.com/office/drawing/2014/main" id="{17FFE0EC-A493-1D35-682B-D05CC3E1820D}"/>
+              </a:ext>
+            </a:extLst>
+          </p:cNvPr>
+          <p:cNvCxnSpPr>
+            <a:stCxn id="41" idx="3"/>
+          </p:cNvCxnSpPr>
+          <p:nvPr/>
+        </p:nvCxnSpPr>
+        <p:spPr>
+          <a:xfrm>
+            <a:off x="1165024" y="4229239"/>
+            <a:ext cx="14071" cy="735793"/>
+          </a:xfrm>
+          <a:prstGeom prst="straightConnector1">
+            <a:avLst/>
+          </a:prstGeom>
+          <a:ln>
+            <a:tailEnd type="triangle"/>
+          </a:ln>
+        </p:spPr>
+        <p:style>
+          <a:lnRef idx="2">
+            <a:schemeClr val="accent1"/>
+          </a:lnRef>
+          <a:fillRef idx="0">
+            <a:schemeClr val="accent1"/>
+          </a:fillRef>
+          <a:effectRef idx="1">
+            <a:schemeClr val="accent1"/>
+          </a:effectRef>
+          <a:fontRef idx="minor">
+            <a:schemeClr val="tx1"/>
+          </a:fontRef>
+        </p:style>
+      </p:cxnSp>
+      <p:sp>
+        <p:nvSpPr>
+          <p:cNvPr id="72" name="TextBox 71">
+            <a:extLst>
+              <a:ext uri="{FF2B5EF4-FFF2-40B4-BE49-F238E27FC236}">
+                <a16:creationId xmlns:a16="http://schemas.microsoft.com/office/drawing/2014/main" id="{AFE5763A-DE26-A58F-9493-F265BC2BA661}"/>
+              </a:ext>
+            </a:extLst>
+          </p:cNvPr>
+          <p:cNvSpPr txBox="1"/>
+          <p:nvPr/>
+        </p:nvSpPr>
+        <p:spPr>
+          <a:xfrm>
+            <a:off x="5309862" y="2126797"/>
+            <a:ext cx="1856598" cy="246221"/>
+          </a:xfrm>
+          <a:prstGeom prst="rect">
+            <a:avLst/>
+          </a:prstGeom>
+          <a:noFill/>
+        </p:spPr>
+        <p:txBody>
+          <a:bodyPr wrap="none" rtlCol="0">
+            <a:spAutoFit/>
+          </a:bodyPr>
+          <a:lstStyle/>
+          <a:p>
+            <a:r>
+              <a:rPr lang="en-US" sz="1000" dirty="0"/>
+              <a:t>Except Bad/Missing Data Error</a:t>
+            </a:r>
+          </a:p>
+        </p:txBody>
+      </p:sp>
+      <p:sp>
+        <p:nvSpPr>
+          <p:cNvPr id="73" name="Flowchart: Process 72">
+            <a:extLst>
+              <a:ext uri="{FF2B5EF4-FFF2-40B4-BE49-F238E27FC236}">
+                <a16:creationId xmlns:a16="http://schemas.microsoft.com/office/drawing/2014/main" id="{12F9CFB4-67F9-32A6-106A-DEDAD4CAAD7A}"/>
+              </a:ext>
+            </a:extLst>
+          </p:cNvPr>
+          <p:cNvSpPr/>
+          <p:nvPr/>
+        </p:nvSpPr>
+        <p:spPr>
+          <a:xfrm>
+            <a:off x="5430273" y="2334127"/>
+            <a:ext cx="1611367" cy="272710"/>
+          </a:xfrm>
+          <a:prstGeom prst="flowChartProcess">
+            <a:avLst/>
+          </a:prstGeom>
+        </p:spPr>
+        <p:style>
+          <a:lnRef idx="2">
+            <a:schemeClr val="accent1">
+              <a:shade val="15000"/>
+            </a:schemeClr>
+          </a:lnRef>
+          <a:fillRef idx="1">
+            <a:schemeClr val="accent1"/>
+          </a:fillRef>
+          <a:effectRef idx="0">
+            <a:schemeClr val="accent1"/>
+          </a:effectRef>
+          <a:fontRef idx="minor">
+            <a:schemeClr val="lt1"/>
+          </a:fontRef>
+        </p:style>
+        <p:txBody>
+          <a:bodyPr rtlCol="0" anchor="ctr"/>
+          <a:lstStyle/>
+          <a:p>
+            <a:pPr algn="ctr"/>
+            <a:r>
+              <a:rPr lang="en-US" sz="1200" dirty="0"/>
+              <a:t>Skipped +=; continue</a:t>
+            </a:r>
+          </a:p>
+        </p:txBody>
+      </p:sp>
+      <p:cxnSp>
+        <p:nvCxnSpPr>
+          <p:cNvPr id="81" name="Straight Arrow Connector 80">
+            <a:extLst>
+              <a:ext uri="{FF2B5EF4-FFF2-40B4-BE49-F238E27FC236}">
+                <a16:creationId xmlns:a16="http://schemas.microsoft.com/office/drawing/2014/main" id="{F7225EC8-2363-37D4-A2F2-C3B40AFE757A}"/>
+              </a:ext>
+            </a:extLst>
+          </p:cNvPr>
+          <p:cNvCxnSpPr>
+            <a:endCxn id="73" idx="1"/>
+          </p:cNvCxnSpPr>
+          <p:nvPr/>
+        </p:nvCxnSpPr>
+        <p:spPr>
+          <a:xfrm>
+            <a:off x="5309862" y="2470482"/>
+            <a:ext cx="120411" cy="0"/>
+          </a:xfrm>
+          <a:prstGeom prst="straightConnector1">
+            <a:avLst/>
+          </a:prstGeom>
+          <a:ln>
+            <a:tailEnd type="triangle"/>
+          </a:ln>
+        </p:spPr>
+        <p:style>
+          <a:lnRef idx="2">
+            <a:schemeClr val="accent1"/>
+          </a:lnRef>
+          <a:fillRef idx="0">
+            <a:schemeClr val="accent1"/>
+          </a:fillRef>
+          <a:effectRef idx="1">
+            <a:schemeClr val="accent1"/>
+          </a:effectRef>
+          <a:fontRef idx="minor">
+            <a:schemeClr val="tx1"/>
+          </a:fontRef>
+        </p:style>
+      </p:cxnSp>
+      <p:cxnSp>
+        <p:nvCxnSpPr>
+          <p:cNvPr id="83" name="Straight Arrow Connector 82">
+            <a:extLst>
+              <a:ext uri="{FF2B5EF4-FFF2-40B4-BE49-F238E27FC236}">
+                <a16:creationId xmlns:a16="http://schemas.microsoft.com/office/drawing/2014/main" id="{940B9D14-D719-CEDF-56A6-BDF2B9DF98F0}"/>
+              </a:ext>
+            </a:extLst>
+          </p:cNvPr>
+          <p:cNvCxnSpPr>
+            <a:stCxn id="73" idx="2"/>
+          </p:cNvCxnSpPr>
+          <p:nvPr/>
+        </p:nvCxnSpPr>
+        <p:spPr>
+          <a:xfrm flipH="1">
+            <a:off x="6235956" y="2606837"/>
+            <a:ext cx="1" cy="200532"/>
+          </a:xfrm>
+          <a:prstGeom prst="straightConnector1">
+            <a:avLst/>
+          </a:prstGeom>
+          <a:ln>
+            <a:tailEnd type="triangle"/>
+          </a:ln>
+        </p:spPr>
+        <p:style>
+          <a:lnRef idx="2">
+            <a:schemeClr val="accent1"/>
+          </a:lnRef>
+          <a:fillRef idx="0">
+            <a:schemeClr val="accent1"/>
+          </a:fillRef>
+          <a:effectRef idx="1">
+            <a:schemeClr val="accent1"/>
+          </a:effectRef>
+          <a:fontRef idx="minor">
+            <a:schemeClr val="tx1"/>
+          </a:fontRef>
+        </p:style>
+      </p:cxnSp>
+      <p:sp>
+        <p:nvSpPr>
+          <p:cNvPr id="84" name="Flowchart: Preparation 83">
+            <a:extLst>
+              <a:ext uri="{FF2B5EF4-FFF2-40B4-BE49-F238E27FC236}">
+                <a16:creationId xmlns:a16="http://schemas.microsoft.com/office/drawing/2014/main" id="{8395A2F6-3028-00B6-1ABA-59BC8CE502B0}"/>
+              </a:ext>
+            </a:extLst>
+          </p:cNvPr>
+          <p:cNvSpPr/>
+          <p:nvPr/>
+        </p:nvSpPr>
+        <p:spPr>
+          <a:xfrm>
+            <a:off x="8598568" y="256673"/>
+            <a:ext cx="2454442" cy="834190"/>
+          </a:xfrm>
+          <a:prstGeom prst="flowChartPreparation">
+            <a:avLst/>
+          </a:prstGeom>
+        </p:spPr>
+        <p:style>
+          <a:lnRef idx="2">
+            <a:schemeClr val="accent1">
+              <a:shade val="15000"/>
+            </a:schemeClr>
+          </a:lnRef>
+          <a:fillRef idx="1">
+            <a:schemeClr val="accent1"/>
+          </a:fillRef>
+          <a:effectRef idx="0">
+            <a:schemeClr val="accent1"/>
+          </a:effectRef>
+          <a:fontRef idx="minor">
+            <a:schemeClr val="lt1"/>
+          </a:fontRef>
+        </p:style>
+        <p:txBody>
+          <a:bodyPr rtlCol="0" anchor="ctr"/>
+          <a:lstStyle/>
+          <a:p>
+            <a:pPr algn="ctr"/>
+            <a:r>
+              <a:rPr lang="en-US" sz="1100" dirty="0"/>
+              <a:t>While True:</a:t>
+            </a:r>
+          </a:p>
+          <a:p>
+            <a:pPr algn="ctr"/>
+            <a:r>
+              <a:rPr lang="en-US" sz="1100" dirty="0"/>
+              <a:t>Show menu + prompt</a:t>
+            </a:r>
+          </a:p>
+        </p:txBody>
+      </p:sp>
+      <p:cxnSp>
+        <p:nvCxnSpPr>
+          <p:cNvPr id="87" name="Connector: Elbow 86">
+            <a:extLst>
+              <a:ext uri="{FF2B5EF4-FFF2-40B4-BE49-F238E27FC236}">
+                <a16:creationId xmlns:a16="http://schemas.microsoft.com/office/drawing/2014/main" id="{00CAE648-275B-C3F6-5115-0E5E33BB4A98}"/>
+              </a:ext>
+            </a:extLst>
+          </p:cNvPr>
+          <p:cNvCxnSpPr>
+            <a:stCxn id="37" idx="2"/>
+            <a:endCxn id="84" idx="1"/>
+          </p:cNvCxnSpPr>
+          <p:nvPr/>
+        </p:nvCxnSpPr>
+        <p:spPr>
+          <a:xfrm rot="5400000" flipH="1" flipV="1">
+            <a:off x="4835683" y="1474863"/>
+            <a:ext cx="4563980" cy="2961789"/>
+          </a:xfrm>
+          <a:prstGeom prst="bentConnector4">
+            <a:avLst>
+              <a:gd name="adj1" fmla="val -5009"/>
+              <a:gd name="adj2" fmla="val 76557"/>
+            </a:avLst>
+          </a:prstGeom>
+          <a:ln>
+            <a:tailEnd type="triangle"/>
+          </a:ln>
+        </p:spPr>
+        <p:style>
+          <a:lnRef idx="2">
+            <a:schemeClr val="accent1"/>
+          </a:lnRef>
+          <a:fillRef idx="0">
+            <a:schemeClr val="accent1"/>
+          </a:fillRef>
+          <a:effectRef idx="1">
+            <a:schemeClr val="accent1"/>
+          </a:effectRef>
+          <a:fontRef idx="minor">
+            <a:schemeClr val="tx1"/>
+          </a:fontRef>
+        </p:style>
+      </p:cxnSp>
+      <p:sp>
+        <p:nvSpPr>
+          <p:cNvPr id="89" name="Flowchart: Decision 88">
+            <a:extLst>
+              <a:ext uri="{FF2B5EF4-FFF2-40B4-BE49-F238E27FC236}">
+                <a16:creationId xmlns:a16="http://schemas.microsoft.com/office/drawing/2014/main" id="{608C8B84-0918-ADB0-B04C-AD49D5485B50}"/>
+              </a:ext>
+            </a:extLst>
+          </p:cNvPr>
+          <p:cNvSpPr/>
+          <p:nvPr/>
+        </p:nvSpPr>
+        <p:spPr>
+          <a:xfrm>
+            <a:off x="8317513" y="1587164"/>
+            <a:ext cx="537409" cy="651711"/>
+          </a:xfrm>
+          <a:prstGeom prst="flowChartDecision">
+            <a:avLst/>
+          </a:prstGeom>
+        </p:spPr>
+        <p:style>
+          <a:lnRef idx="2">
+            <a:schemeClr val="accent1">
+              <a:shade val="15000"/>
+            </a:schemeClr>
+          </a:lnRef>
+          <a:fillRef idx="1">
+            <a:schemeClr val="accent1"/>
+          </a:fillRef>
+          <a:effectRef idx="0">
+            <a:schemeClr val="accent1"/>
+          </a:effectRef>
+          <a:fontRef idx="minor">
+            <a:schemeClr val="lt1"/>
+          </a:fontRef>
+        </p:style>
+        <p:txBody>
+          <a:bodyPr rtlCol="0" anchor="ctr"/>
+          <a:lstStyle/>
+          <a:p>
+            <a:pPr algn="ctr"/>
+            <a:r>
+              <a:rPr lang="en-US" dirty="0"/>
+              <a:t>H</a:t>
+            </a:r>
+          </a:p>
+        </p:txBody>
+      </p:sp>
+      <p:sp>
+        <p:nvSpPr>
+          <p:cNvPr id="91" name="Flowchart: Decision 90">
+            <a:extLst>
+              <a:ext uri="{FF2B5EF4-FFF2-40B4-BE49-F238E27FC236}">
+                <a16:creationId xmlns:a16="http://schemas.microsoft.com/office/drawing/2014/main" id="{DDFABDCC-4FB6-F715-4F3E-3D6CCDA39989}"/>
+              </a:ext>
+            </a:extLst>
+          </p:cNvPr>
+          <p:cNvSpPr/>
+          <p:nvPr/>
+        </p:nvSpPr>
+        <p:spPr>
+          <a:xfrm>
+            <a:off x="9394499" y="1587164"/>
+            <a:ext cx="537409" cy="651711"/>
+          </a:xfrm>
+          <a:prstGeom prst="flowChartDecision">
+            <a:avLst/>
+          </a:prstGeom>
+        </p:spPr>
+        <p:style>
+          <a:lnRef idx="2">
+            <a:schemeClr val="accent1">
+              <a:shade val="15000"/>
+            </a:schemeClr>
+          </a:lnRef>
+          <a:fillRef idx="1">
+            <a:schemeClr val="accent1"/>
+          </a:fillRef>
+          <a:effectRef idx="0">
+            <a:schemeClr val="accent1"/>
+          </a:effectRef>
+          <a:fontRef idx="minor">
+            <a:schemeClr val="lt1"/>
+          </a:fontRef>
+        </p:style>
+        <p:txBody>
+          <a:bodyPr rtlCol="0" anchor="ctr"/>
+          <a:lstStyle/>
+          <a:p>
+            <a:pPr algn="ctr"/>
+            <a:r>
+              <a:rPr lang="en-US" dirty="0"/>
+              <a:t>L</a:t>
+            </a:r>
+          </a:p>
+        </p:txBody>
+      </p:sp>
+      <p:sp>
+        <p:nvSpPr>
+          <p:cNvPr id="92" name="Flowchart: Decision 91">
+            <a:extLst>
+              <a:ext uri="{FF2B5EF4-FFF2-40B4-BE49-F238E27FC236}">
+                <a16:creationId xmlns:a16="http://schemas.microsoft.com/office/drawing/2014/main" id="{906284EA-2E6F-4FF6-474F-DB511A4B1920}"/>
+              </a:ext>
+            </a:extLst>
+          </p:cNvPr>
+          <p:cNvSpPr/>
+          <p:nvPr/>
+        </p:nvSpPr>
+        <p:spPr>
+          <a:xfrm>
+            <a:off x="10347472" y="1620253"/>
+            <a:ext cx="537409" cy="651711"/>
+          </a:xfrm>
+          <a:prstGeom prst="flowChartDecision">
+            <a:avLst/>
+          </a:prstGeom>
+        </p:spPr>
+        <p:style>
+          <a:lnRef idx="2">
+            <a:schemeClr val="accent1">
+              <a:shade val="15000"/>
+            </a:schemeClr>
+          </a:lnRef>
+          <a:fillRef idx="1">
+            <a:schemeClr val="accent1"/>
+          </a:fillRef>
+          <a:effectRef idx="0">
+            <a:schemeClr val="accent1"/>
+          </a:effectRef>
+          <a:fontRef idx="minor">
+            <a:schemeClr val="lt1"/>
+          </a:fontRef>
+        </p:style>
+        <p:txBody>
+          <a:bodyPr rtlCol="0" anchor="ctr"/>
+          <a:lstStyle/>
+          <a:p>
+            <a:pPr algn="ctr"/>
+            <a:r>
+              <a:rPr lang="en-US" dirty="0"/>
+              <a:t>E</a:t>
+            </a:r>
+          </a:p>
+        </p:txBody>
+      </p:sp>
+      <p:sp>
+        <p:nvSpPr>
+          <p:cNvPr id="93" name="Flowchart: Decision 92">
+            <a:extLst>
+              <a:ext uri="{FF2B5EF4-FFF2-40B4-BE49-F238E27FC236}">
+                <a16:creationId xmlns:a16="http://schemas.microsoft.com/office/drawing/2014/main" id="{79B0F261-A65D-E892-46F5-0F7AEFF2C864}"/>
+              </a:ext>
+            </a:extLst>
+          </p:cNvPr>
+          <p:cNvSpPr/>
+          <p:nvPr/>
+        </p:nvSpPr>
+        <p:spPr>
+          <a:xfrm>
+            <a:off x="11053010" y="1551002"/>
+            <a:ext cx="902183" cy="790211"/>
+          </a:xfrm>
+          <a:prstGeom prst="flowChartDecision">
+            <a:avLst/>
+          </a:prstGeom>
+        </p:spPr>
+        <p:style>
+          <a:lnRef idx="2">
+            <a:schemeClr val="accent1">
+              <a:shade val="15000"/>
+            </a:schemeClr>
+          </a:lnRef>
+          <a:fillRef idx="1">
+            <a:schemeClr val="accent1"/>
+          </a:fillRef>
+          <a:effectRef idx="0">
+            <a:schemeClr val="accent1"/>
+          </a:effectRef>
+          <a:fontRef idx="minor">
+            <a:schemeClr val="lt1"/>
+          </a:fontRef>
+        </p:style>
+        <p:txBody>
+          <a:bodyPr rtlCol="0" anchor="ctr"/>
+          <a:lstStyle/>
+          <a:p>
+            <a:pPr algn="ctr"/>
+            <a:r>
+              <a:rPr lang="en-US" sz="800" dirty="0"/>
+              <a:t>Other</a:t>
+            </a:r>
+          </a:p>
+        </p:txBody>
+      </p:sp>
+      <p:sp>
+        <p:nvSpPr>
+          <p:cNvPr id="94" name="Flowchart: Process 93">
+            <a:extLst>
+              <a:ext uri="{FF2B5EF4-FFF2-40B4-BE49-F238E27FC236}">
+                <a16:creationId xmlns:a16="http://schemas.microsoft.com/office/drawing/2014/main" id="{E796111F-93A6-0E3C-D892-2658F2C9D466}"/>
+              </a:ext>
+            </a:extLst>
+          </p:cNvPr>
+          <p:cNvSpPr/>
+          <p:nvPr/>
+        </p:nvSpPr>
+        <p:spPr>
+          <a:xfrm>
+            <a:off x="7976269" y="2493478"/>
+            <a:ext cx="1065542" cy="790210"/>
+          </a:xfrm>
+          <a:prstGeom prst="flowChartProcess">
+            <a:avLst/>
+          </a:prstGeom>
+        </p:spPr>
+        <p:style>
+          <a:lnRef idx="2">
+            <a:schemeClr val="accent1">
+              <a:shade val="15000"/>
+            </a:schemeClr>
+          </a:lnRef>
+          <a:fillRef idx="1">
+            <a:schemeClr val="accent1"/>
+          </a:fillRef>
+          <a:effectRef idx="0">
+            <a:schemeClr val="accent1"/>
+          </a:effectRef>
+          <a:fontRef idx="minor">
+            <a:schemeClr val="lt1"/>
+          </a:fontRef>
+        </p:style>
+        <p:txBody>
+          <a:bodyPr rtlCol="0" anchor="ctr"/>
+          <a:lstStyle/>
+          <a:p>
+            <a:pPr algn="ctr"/>
+            <a:r>
+              <a:rPr lang="en-US" sz="900" dirty="0"/>
+              <a:t>Call </a:t>
+            </a:r>
+            <a:r>
+              <a:rPr lang="en-US" sz="900" dirty="0" err="1"/>
+              <a:t>plot_series</a:t>
+            </a:r>
+            <a:r>
+              <a:rPr lang="en-US" sz="900" dirty="0"/>
+              <a:t>(dates, highs, “High”, color=‘red’)</a:t>
+            </a:r>
+          </a:p>
+        </p:txBody>
+      </p:sp>
+      <p:sp>
+        <p:nvSpPr>
+          <p:cNvPr id="95" name="Flowchart: Process 94">
+            <a:extLst>
+              <a:ext uri="{FF2B5EF4-FFF2-40B4-BE49-F238E27FC236}">
+                <a16:creationId xmlns:a16="http://schemas.microsoft.com/office/drawing/2014/main" id="{AA7E5C3D-14CA-4678-7E74-9B445E8032E0}"/>
+              </a:ext>
+            </a:extLst>
+          </p:cNvPr>
+          <p:cNvSpPr/>
+          <p:nvPr/>
+        </p:nvSpPr>
+        <p:spPr>
+          <a:xfrm>
+            <a:off x="9108216" y="2493478"/>
+            <a:ext cx="1065542" cy="790210"/>
+          </a:xfrm>
+          <a:prstGeom prst="flowChartProcess">
+            <a:avLst/>
+          </a:prstGeom>
+        </p:spPr>
+        <p:style>
+          <a:lnRef idx="2">
+            <a:schemeClr val="accent1">
+              <a:shade val="15000"/>
+            </a:schemeClr>
+          </a:lnRef>
+          <a:fillRef idx="1">
+            <a:schemeClr val="accent1"/>
+          </a:fillRef>
+          <a:effectRef idx="0">
+            <a:schemeClr val="accent1"/>
+          </a:effectRef>
+          <a:fontRef idx="minor">
+            <a:schemeClr val="lt1"/>
+          </a:fontRef>
+        </p:style>
+        <p:txBody>
+          <a:bodyPr rtlCol="0" anchor="ctr"/>
+          <a:lstStyle/>
+          <a:p>
+            <a:pPr algn="ctr"/>
+            <a:r>
+              <a:rPr lang="en-US" sz="900" dirty="0"/>
+              <a:t>Call </a:t>
+            </a:r>
+            <a:r>
+              <a:rPr lang="en-US" sz="900" dirty="0" err="1"/>
+              <a:t>plot_series</a:t>
+            </a:r>
+            <a:r>
+              <a:rPr lang="en-US" sz="900" dirty="0"/>
+              <a:t>(dates, lows, “Low”, color=‘blue’)</a:t>
+            </a:r>
+          </a:p>
+        </p:txBody>
+      </p:sp>
+      <p:sp>
+        <p:nvSpPr>
+          <p:cNvPr id="96" name="Flowchart: Process 95">
+            <a:extLst>
+              <a:ext uri="{FF2B5EF4-FFF2-40B4-BE49-F238E27FC236}">
+                <a16:creationId xmlns:a16="http://schemas.microsoft.com/office/drawing/2014/main" id="{891D17A6-CAEE-AA0C-BBEE-6DC53917C613}"/>
+              </a:ext>
+            </a:extLst>
+          </p:cNvPr>
+          <p:cNvSpPr/>
+          <p:nvPr/>
+        </p:nvSpPr>
+        <p:spPr>
+          <a:xfrm>
+            <a:off x="10223460" y="2493478"/>
+            <a:ext cx="785435" cy="476320"/>
+          </a:xfrm>
+          <a:prstGeom prst="flowChartProcess">
+            <a:avLst/>
+          </a:prstGeom>
+        </p:spPr>
+        <p:style>
+          <a:lnRef idx="2">
+            <a:schemeClr val="accent1">
+              <a:shade val="15000"/>
+            </a:schemeClr>
+          </a:lnRef>
+          <a:fillRef idx="1">
+            <a:schemeClr val="accent1"/>
+          </a:fillRef>
+          <a:effectRef idx="0">
+            <a:schemeClr val="accent1"/>
+          </a:effectRef>
+          <a:fontRef idx="minor">
+            <a:schemeClr val="lt1"/>
+          </a:fontRef>
+        </p:style>
+        <p:txBody>
+          <a:bodyPr rtlCol="0" anchor="ctr"/>
+          <a:lstStyle/>
+          <a:p>
+            <a:pPr algn="ctr"/>
+            <a:r>
+              <a:rPr lang="en-US" sz="900" dirty="0"/>
+              <a:t>Print goodbye</a:t>
+            </a:r>
+          </a:p>
+          <a:p>
+            <a:pPr algn="ctr"/>
+            <a:r>
+              <a:rPr lang="en-US" sz="900" dirty="0" err="1"/>
+              <a:t>Sys.exit</a:t>
+            </a:r>
+            <a:r>
+              <a:rPr lang="en-US" sz="900" dirty="0"/>
+              <a:t>(0)</a:t>
+            </a:r>
+          </a:p>
+        </p:txBody>
+      </p:sp>
+      <p:sp>
+        <p:nvSpPr>
+          <p:cNvPr id="97" name="Flowchart: Process 96">
+            <a:extLst>
+              <a:ext uri="{FF2B5EF4-FFF2-40B4-BE49-F238E27FC236}">
+                <a16:creationId xmlns:a16="http://schemas.microsoft.com/office/drawing/2014/main" id="{66A13A56-62AF-8FE9-F42A-9365358EB3B2}"/>
+              </a:ext>
+            </a:extLst>
+          </p:cNvPr>
+          <p:cNvSpPr/>
+          <p:nvPr/>
+        </p:nvSpPr>
+        <p:spPr>
+          <a:xfrm>
+            <a:off x="11053011" y="2493478"/>
+            <a:ext cx="1062728" cy="476320"/>
+          </a:xfrm>
+          <a:prstGeom prst="flowChartProcess">
+            <a:avLst/>
+          </a:prstGeom>
+        </p:spPr>
+        <p:style>
+          <a:lnRef idx="2">
+            <a:schemeClr val="accent1">
+              <a:shade val="15000"/>
+            </a:schemeClr>
+          </a:lnRef>
+          <a:fillRef idx="1">
+            <a:schemeClr val="accent1"/>
+          </a:fillRef>
+          <a:effectRef idx="0">
+            <a:schemeClr val="accent1"/>
+          </a:effectRef>
+          <a:fontRef idx="minor">
+            <a:schemeClr val="lt1"/>
+          </a:fontRef>
+        </p:style>
+        <p:txBody>
+          <a:bodyPr rtlCol="0" anchor="ctr"/>
+          <a:lstStyle/>
+          <a:p>
+            <a:pPr algn="ctr"/>
+            <a:r>
+              <a:rPr lang="en-US" sz="900" dirty="0"/>
+              <a:t>Print “Invalid choice” message</a:t>
+            </a:r>
+          </a:p>
+        </p:txBody>
+      </p:sp>
+      <p:sp>
+        <p:nvSpPr>
+          <p:cNvPr id="98" name="TextBox 97">
+            <a:extLst>
+              <a:ext uri="{FF2B5EF4-FFF2-40B4-BE49-F238E27FC236}">
+                <a16:creationId xmlns:a16="http://schemas.microsoft.com/office/drawing/2014/main" id="{86326B2E-BC56-5A0F-72CB-E3F723AC2BB8}"/>
+              </a:ext>
+            </a:extLst>
+          </p:cNvPr>
+          <p:cNvSpPr txBox="1"/>
+          <p:nvPr/>
+        </p:nvSpPr>
+        <p:spPr>
+          <a:xfrm>
+            <a:off x="8113512" y="3967351"/>
+            <a:ext cx="1297150" cy="400110"/>
+          </a:xfrm>
+          <a:prstGeom prst="rect">
+            <a:avLst/>
+          </a:prstGeom>
+          <a:noFill/>
+        </p:spPr>
+        <p:txBody>
+          <a:bodyPr wrap="none" rtlCol="0">
+            <a:spAutoFit/>
+          </a:bodyPr>
+          <a:lstStyle/>
+          <a:p>
+            <a:r>
+              <a:rPr lang="en-US" sz="1000" dirty="0"/>
+              <a:t>(LOOP CONTINUES:</a:t>
+            </a:r>
+          </a:p>
+          <a:p>
+            <a:r>
+              <a:rPr lang="en-US" sz="1000" dirty="0"/>
+              <a:t>RE-SHOW MENU)</a:t>
+            </a:r>
+          </a:p>
+        </p:txBody>
+      </p:sp>
+      <p:cxnSp>
+        <p:nvCxnSpPr>
+          <p:cNvPr id="104" name="Connector: Elbow 103">
+            <a:extLst>
+              <a:ext uri="{FF2B5EF4-FFF2-40B4-BE49-F238E27FC236}">
+                <a16:creationId xmlns:a16="http://schemas.microsoft.com/office/drawing/2014/main" id="{4C369B02-297C-DFE1-417F-7B2EE97D589D}"/>
+              </a:ext>
+            </a:extLst>
+          </p:cNvPr>
+          <p:cNvCxnSpPr>
+            <a:stCxn id="98" idx="2"/>
+            <a:endCxn id="40" idx="1"/>
+          </p:cNvCxnSpPr>
+          <p:nvPr/>
+        </p:nvCxnSpPr>
+        <p:spPr>
+          <a:xfrm rot="16200000" flipH="1">
+            <a:off x="7804022" y="5325525"/>
+            <a:ext cx="2049389" cy="133259"/>
+          </a:xfrm>
+          <a:prstGeom prst="bentConnector2">
+            <a:avLst/>
+          </a:prstGeom>
+          <a:ln>
+            <a:tailEnd type="triangle"/>
+          </a:ln>
+        </p:spPr>
+        <p:style>
+          <a:lnRef idx="2">
+            <a:schemeClr val="accent1"/>
+          </a:lnRef>
+          <a:fillRef idx="0">
+            <a:schemeClr val="accent1"/>
+          </a:fillRef>
+          <a:effectRef idx="1">
+            <a:schemeClr val="accent1"/>
+          </a:effectRef>
+          <a:fontRef idx="minor">
+            <a:schemeClr val="tx1"/>
+          </a:fontRef>
+        </p:style>
+      </p:cxnSp>
+      <p:cxnSp>
+        <p:nvCxnSpPr>
+          <p:cNvPr id="106" name="Connector: Elbow 105">
+            <a:extLst>
+              <a:ext uri="{FF2B5EF4-FFF2-40B4-BE49-F238E27FC236}">
+                <a16:creationId xmlns:a16="http://schemas.microsoft.com/office/drawing/2014/main" id="{720330F5-DAA5-1844-2FEE-B191F81B6DDB}"/>
+              </a:ext>
+            </a:extLst>
+          </p:cNvPr>
+          <p:cNvCxnSpPr>
+            <a:stCxn id="94" idx="2"/>
+            <a:endCxn id="98" idx="0"/>
+          </p:cNvCxnSpPr>
+          <p:nvPr/>
+        </p:nvCxnSpPr>
+        <p:spPr>
+          <a:xfrm rot="16200000" flipH="1">
+            <a:off x="8293732" y="3498995"/>
+            <a:ext cx="683663" cy="253047"/>
+          </a:xfrm>
+          <a:prstGeom prst="bentConnector3">
+            <a:avLst/>
+          </a:prstGeom>
+          <a:ln>
+            <a:tailEnd type="triangle"/>
+          </a:ln>
+        </p:spPr>
+        <p:style>
+          <a:lnRef idx="2">
+            <a:schemeClr val="accent1"/>
+          </a:lnRef>
+          <a:fillRef idx="0">
+            <a:schemeClr val="accent1"/>
+          </a:fillRef>
+          <a:effectRef idx="1">
+            <a:schemeClr val="accent1"/>
+          </a:effectRef>
+          <a:fontRef idx="minor">
+            <a:schemeClr val="tx1"/>
+          </a:fontRef>
+        </p:style>
+      </p:cxnSp>
+      <p:cxnSp>
+        <p:nvCxnSpPr>
+          <p:cNvPr id="108" name="Connector: Elbow 107">
+            <a:extLst>
+              <a:ext uri="{FF2B5EF4-FFF2-40B4-BE49-F238E27FC236}">
+                <a16:creationId xmlns:a16="http://schemas.microsoft.com/office/drawing/2014/main" id="{49D869DD-83FE-7929-2DB7-090C53A90DF8}"/>
+              </a:ext>
+            </a:extLst>
+          </p:cNvPr>
+          <p:cNvCxnSpPr>
+            <a:stCxn id="95" idx="2"/>
+            <a:endCxn id="98" idx="0"/>
+          </p:cNvCxnSpPr>
+          <p:nvPr/>
+        </p:nvCxnSpPr>
+        <p:spPr>
+          <a:xfrm rot="5400000">
+            <a:off x="8859706" y="3186069"/>
+            <a:ext cx="683663" cy="878900"/>
+          </a:xfrm>
+          <a:prstGeom prst="bentConnector3">
+            <a:avLst/>
+          </a:prstGeom>
+          <a:ln>
+            <a:tailEnd type="triangle"/>
+          </a:ln>
+        </p:spPr>
+        <p:style>
+          <a:lnRef idx="2">
+            <a:schemeClr val="accent1"/>
+          </a:lnRef>
+          <a:fillRef idx="0">
+            <a:schemeClr val="accent1"/>
+          </a:fillRef>
+          <a:effectRef idx="1">
+            <a:schemeClr val="accent1"/>
+          </a:effectRef>
+          <a:fontRef idx="minor">
+            <a:schemeClr val="tx1"/>
+          </a:fontRef>
+        </p:style>
+      </p:cxnSp>
+      <p:cxnSp>
+        <p:nvCxnSpPr>
+          <p:cNvPr id="110" name="Connector: Elbow 109">
+            <a:extLst>
+              <a:ext uri="{FF2B5EF4-FFF2-40B4-BE49-F238E27FC236}">
+                <a16:creationId xmlns:a16="http://schemas.microsoft.com/office/drawing/2014/main" id="{788C0E06-DFC4-ADCA-CA16-C7C02481A1DD}"/>
+              </a:ext>
+            </a:extLst>
+          </p:cNvPr>
+          <p:cNvCxnSpPr>
+            <a:stCxn id="96" idx="2"/>
+            <a:endCxn id="40" idx="3"/>
+          </p:cNvCxnSpPr>
+          <p:nvPr/>
+        </p:nvCxnSpPr>
+        <p:spPr>
+          <a:xfrm rot="16200000" flipH="1">
+            <a:off x="8962678" y="4623297"/>
+            <a:ext cx="3447052" cy="140053"/>
+          </a:xfrm>
+          <a:prstGeom prst="bentConnector4">
+            <a:avLst>
+              <a:gd name="adj1" fmla="val 46277"/>
+              <a:gd name="adj2" fmla="val 443630"/>
+            </a:avLst>
+          </a:prstGeom>
+          <a:ln>
+            <a:tailEnd type="triangle"/>
+          </a:ln>
+        </p:spPr>
+        <p:style>
+          <a:lnRef idx="2">
+            <a:schemeClr val="accent1"/>
+          </a:lnRef>
+          <a:fillRef idx="0">
+            <a:schemeClr val="accent1"/>
+          </a:fillRef>
+          <a:effectRef idx="1">
+            <a:schemeClr val="accent1"/>
+          </a:effectRef>
+          <a:fontRef idx="minor">
+            <a:schemeClr val="tx1"/>
+          </a:fontRef>
+        </p:style>
+      </p:cxnSp>
+      <p:cxnSp>
+        <p:nvCxnSpPr>
+          <p:cNvPr id="112" name="Connector: Elbow 111">
+            <a:extLst>
+              <a:ext uri="{FF2B5EF4-FFF2-40B4-BE49-F238E27FC236}">
+                <a16:creationId xmlns:a16="http://schemas.microsoft.com/office/drawing/2014/main" id="{928E3154-82CB-8771-2E53-9E92D0D12060}"/>
+              </a:ext>
+            </a:extLst>
+          </p:cNvPr>
+          <p:cNvCxnSpPr>
+            <a:stCxn id="97" idx="2"/>
+            <a:endCxn id="98" idx="3"/>
+          </p:cNvCxnSpPr>
+          <p:nvPr/>
+        </p:nvCxnSpPr>
+        <p:spPr>
+          <a:xfrm rot="5400000">
+            <a:off x="9898715" y="2481746"/>
+            <a:ext cx="1197608" cy="2173713"/>
+          </a:xfrm>
+          <a:prstGeom prst="bentConnector2">
+            <a:avLst/>
+          </a:prstGeom>
+          <a:ln>
+            <a:tailEnd type="triangle"/>
+          </a:ln>
+        </p:spPr>
+        <p:style>
+          <a:lnRef idx="2">
+            <a:schemeClr val="accent1"/>
+          </a:lnRef>
+          <a:fillRef idx="0">
+            <a:schemeClr val="accent1"/>
+          </a:fillRef>
+          <a:effectRef idx="1">
+            <a:schemeClr val="accent1"/>
+          </a:effectRef>
+          <a:fontRef idx="minor">
+            <a:schemeClr val="tx1"/>
+          </a:fontRef>
+        </p:style>
+      </p:cxnSp>
+      <p:cxnSp>
+        <p:nvCxnSpPr>
+          <p:cNvPr id="114" name="Connector: Elbow 113">
+            <a:extLst>
+              <a:ext uri="{FF2B5EF4-FFF2-40B4-BE49-F238E27FC236}">
+                <a16:creationId xmlns:a16="http://schemas.microsoft.com/office/drawing/2014/main" id="{57C5F773-C11D-3914-DA9A-EF55A74F4024}"/>
+              </a:ext>
+            </a:extLst>
+          </p:cNvPr>
+          <p:cNvCxnSpPr>
+            <a:stCxn id="98" idx="1"/>
+          </p:cNvCxnSpPr>
+          <p:nvPr/>
+        </p:nvCxnSpPr>
+        <p:spPr>
+          <a:xfrm rot="10800000">
+            <a:off x="7916780" y="4167406"/>
+            <a:ext cx="196733" cy="12700"/>
+          </a:xfrm>
+          <a:prstGeom prst="bentConnector3">
+            <a:avLst/>
+          </a:prstGeom>
+          <a:ln>
+            <a:tailEnd type="triangle"/>
+          </a:ln>
+        </p:spPr>
+        <p:style>
+          <a:lnRef idx="2">
+            <a:schemeClr val="accent1"/>
+          </a:lnRef>
+          <a:fillRef idx="0">
+            <a:schemeClr val="accent1"/>
+          </a:fillRef>
+          <a:effectRef idx="1">
+            <a:schemeClr val="accent1"/>
+          </a:effectRef>
+          <a:fontRef idx="minor">
+            <a:schemeClr val="tx1"/>
+          </a:fontRef>
+        </p:style>
+      </p:cxnSp>
+      <p:cxnSp>
+        <p:nvCxnSpPr>
+          <p:cNvPr id="116" name="Connector: Elbow 115">
+            <a:extLst>
+              <a:ext uri="{FF2B5EF4-FFF2-40B4-BE49-F238E27FC236}">
+                <a16:creationId xmlns:a16="http://schemas.microsoft.com/office/drawing/2014/main" id="{DED8A7E7-67F3-3E10-50C4-4CD2C00B2E5F}"/>
+              </a:ext>
+            </a:extLst>
+          </p:cNvPr>
+          <p:cNvCxnSpPr>
+            <a:stCxn id="84" idx="2"/>
+            <a:endCxn id="89" idx="0"/>
+          </p:cNvCxnSpPr>
+          <p:nvPr/>
+        </p:nvCxnSpPr>
+        <p:spPr>
+          <a:xfrm rot="5400000">
+            <a:off x="8957854" y="719228"/>
+            <a:ext cx="496301" cy="1239571"/>
+          </a:xfrm>
+          <a:prstGeom prst="bentConnector3">
+            <a:avLst/>
+          </a:prstGeom>
+          <a:ln>
+            <a:tailEnd type="triangle"/>
+          </a:ln>
+        </p:spPr>
+        <p:style>
+          <a:lnRef idx="2">
+            <a:schemeClr val="accent1"/>
+          </a:lnRef>
+          <a:fillRef idx="0">
+            <a:schemeClr val="accent1"/>
+          </a:fillRef>
+          <a:effectRef idx="1">
+            <a:schemeClr val="accent1"/>
+          </a:effectRef>
+          <a:fontRef idx="minor">
+            <a:schemeClr val="tx1"/>
+          </a:fontRef>
+        </p:style>
+      </p:cxnSp>
+      <p:cxnSp>
+        <p:nvCxnSpPr>
+          <p:cNvPr id="118" name="Connector: Elbow 117">
+            <a:extLst>
+              <a:ext uri="{FF2B5EF4-FFF2-40B4-BE49-F238E27FC236}">
+                <a16:creationId xmlns:a16="http://schemas.microsoft.com/office/drawing/2014/main" id="{465B0B11-15F9-ED89-FE7A-135971490019}"/>
+              </a:ext>
+            </a:extLst>
+          </p:cNvPr>
+          <p:cNvCxnSpPr>
+            <a:stCxn id="84" idx="2"/>
+            <a:endCxn id="91" idx="0"/>
+          </p:cNvCxnSpPr>
+          <p:nvPr/>
+        </p:nvCxnSpPr>
+        <p:spPr>
+          <a:xfrm rot="5400000">
+            <a:off x="9496347" y="1257721"/>
+            <a:ext cx="496301" cy="162585"/>
+          </a:xfrm>
+          <a:prstGeom prst="bentConnector3">
+            <a:avLst/>
+          </a:prstGeom>
+          <a:ln>
+            <a:tailEnd type="triangle"/>
+          </a:ln>
+        </p:spPr>
+        <p:style>
+          <a:lnRef idx="2">
+            <a:schemeClr val="accent1"/>
+          </a:lnRef>
+          <a:fillRef idx="0">
+            <a:schemeClr val="accent1"/>
+          </a:fillRef>
+          <a:effectRef idx="1">
+            <a:schemeClr val="accent1"/>
+          </a:effectRef>
+          <a:fontRef idx="minor">
+            <a:schemeClr val="tx1"/>
+          </a:fontRef>
+        </p:style>
+      </p:cxnSp>
+      <p:cxnSp>
+        <p:nvCxnSpPr>
+          <p:cNvPr id="120" name="Connector: Elbow 119">
+            <a:extLst>
+              <a:ext uri="{FF2B5EF4-FFF2-40B4-BE49-F238E27FC236}">
+                <a16:creationId xmlns:a16="http://schemas.microsoft.com/office/drawing/2014/main" id="{8FA69AB6-95FD-3B1C-9641-27BF968EEC6B}"/>
+              </a:ext>
+            </a:extLst>
+          </p:cNvPr>
+          <p:cNvCxnSpPr>
+            <a:stCxn id="84" idx="2"/>
+            <a:endCxn id="92" idx="0"/>
+          </p:cNvCxnSpPr>
+          <p:nvPr/>
+        </p:nvCxnSpPr>
+        <p:spPr>
+          <a:xfrm rot="16200000" flipH="1">
+            <a:off x="9956288" y="960364"/>
+            <a:ext cx="529390" cy="790388"/>
+          </a:xfrm>
+          <a:prstGeom prst="bentConnector3">
+            <a:avLst/>
+          </a:prstGeom>
+          <a:ln>
+            <a:tailEnd type="triangle"/>
+          </a:ln>
+        </p:spPr>
+        <p:style>
+          <a:lnRef idx="2">
+            <a:schemeClr val="accent1"/>
+          </a:lnRef>
+          <a:fillRef idx="0">
+            <a:schemeClr val="accent1"/>
+          </a:fillRef>
+          <a:effectRef idx="1">
+            <a:schemeClr val="accent1"/>
+          </a:effectRef>
+          <a:fontRef idx="minor">
+            <a:schemeClr val="tx1"/>
+          </a:fontRef>
+        </p:style>
+      </p:cxnSp>
+      <p:cxnSp>
+        <p:nvCxnSpPr>
+          <p:cNvPr id="122" name="Connector: Elbow 121">
+            <a:extLst>
+              <a:ext uri="{FF2B5EF4-FFF2-40B4-BE49-F238E27FC236}">
+                <a16:creationId xmlns:a16="http://schemas.microsoft.com/office/drawing/2014/main" id="{E0B61FCE-50EA-2604-1C7D-A05D51F988B5}"/>
+              </a:ext>
+            </a:extLst>
+          </p:cNvPr>
+          <p:cNvCxnSpPr>
+            <a:stCxn id="84" idx="2"/>
+            <a:endCxn id="93" idx="0"/>
+          </p:cNvCxnSpPr>
+          <p:nvPr/>
+        </p:nvCxnSpPr>
+        <p:spPr>
+          <a:xfrm rot="16200000" flipH="1">
+            <a:off x="10434876" y="481775"/>
+            <a:ext cx="460139" cy="1678313"/>
+          </a:xfrm>
+          <a:prstGeom prst="bentConnector3">
+            <a:avLst>
+              <a:gd name="adj1" fmla="val 58716"/>
+            </a:avLst>
+          </a:prstGeom>
+          <a:ln>
+            <a:tailEnd type="triangle"/>
+          </a:ln>
+        </p:spPr>
+        <p:style>
+          <a:lnRef idx="2">
+            <a:schemeClr val="accent1"/>
+          </a:lnRef>
+          <a:fillRef idx="0">
+            <a:schemeClr val="accent1"/>
+          </a:fillRef>
+          <a:effectRef idx="1">
+            <a:schemeClr val="accent1"/>
+          </a:effectRef>
+          <a:fontRef idx="minor">
+            <a:schemeClr val="tx1"/>
+          </a:fontRef>
+        </p:style>
+      </p:cxnSp>
+      <p:cxnSp>
+        <p:nvCxnSpPr>
+          <p:cNvPr id="125" name="Connector: Elbow 124">
+            <a:extLst>
+              <a:ext uri="{FF2B5EF4-FFF2-40B4-BE49-F238E27FC236}">
+                <a16:creationId xmlns:a16="http://schemas.microsoft.com/office/drawing/2014/main" id="{F0EEFDB5-5263-8824-8B47-E88A29ABA0C3}"/>
+              </a:ext>
+            </a:extLst>
+          </p:cNvPr>
+          <p:cNvCxnSpPr>
+            <a:stCxn id="89" idx="2"/>
+            <a:endCxn id="94" idx="0"/>
+          </p:cNvCxnSpPr>
+          <p:nvPr/>
+        </p:nvCxnSpPr>
+        <p:spPr>
+          <a:xfrm rot="5400000">
+            <a:off x="8420328" y="2327587"/>
+            <a:ext cx="254603" cy="77178"/>
+          </a:xfrm>
+          <a:prstGeom prst="bentConnector3">
+            <a:avLst/>
+          </a:prstGeom>
+          <a:ln>
+            <a:tailEnd type="triangle"/>
+          </a:ln>
+        </p:spPr>
+        <p:style>
+          <a:lnRef idx="2">
+            <a:schemeClr val="accent1"/>
+          </a:lnRef>
+          <a:fillRef idx="0">
+            <a:schemeClr val="accent1"/>
+          </a:fillRef>
+          <a:effectRef idx="1">
+            <a:schemeClr val="accent1"/>
+          </a:effectRef>
+          <a:fontRef idx="minor">
+            <a:schemeClr val="tx1"/>
+          </a:fontRef>
+        </p:style>
+      </p:cxnSp>
+      <p:cxnSp>
+        <p:nvCxnSpPr>
+          <p:cNvPr id="127" name="Connector: Elbow 126">
+            <a:extLst>
+              <a:ext uri="{FF2B5EF4-FFF2-40B4-BE49-F238E27FC236}">
+                <a16:creationId xmlns:a16="http://schemas.microsoft.com/office/drawing/2014/main" id="{CCF0BCD5-6B48-FE91-7CE4-B04791BBCECB}"/>
+              </a:ext>
+            </a:extLst>
+          </p:cNvPr>
+          <p:cNvCxnSpPr>
+            <a:stCxn id="91" idx="2"/>
+            <a:endCxn id="95" idx="0"/>
+          </p:cNvCxnSpPr>
+          <p:nvPr/>
+        </p:nvCxnSpPr>
+        <p:spPr>
+          <a:xfrm rot="5400000">
+            <a:off x="9524795" y="2355068"/>
+            <a:ext cx="254603" cy="22217"/>
+          </a:xfrm>
+          <a:prstGeom prst="bentConnector3">
+            <a:avLst/>
+          </a:prstGeom>
+          <a:ln>
+            <a:tailEnd type="triangle"/>
+          </a:ln>
+        </p:spPr>
+        <p:style>
+          <a:lnRef idx="2">
+            <a:schemeClr val="accent1"/>
+          </a:lnRef>
+          <a:fillRef idx="0">
+            <a:schemeClr val="accent1"/>
+          </a:fillRef>
+          <a:effectRef idx="1">
+            <a:schemeClr val="accent1"/>
+          </a:effectRef>
+          <a:fontRef idx="minor">
+            <a:schemeClr val="tx1"/>
+          </a:fontRef>
+        </p:style>
+      </p:cxnSp>
+      <p:cxnSp>
+        <p:nvCxnSpPr>
+          <p:cNvPr id="129" name="Connector: Elbow 128">
+            <a:extLst>
+              <a:ext uri="{FF2B5EF4-FFF2-40B4-BE49-F238E27FC236}">
+                <a16:creationId xmlns:a16="http://schemas.microsoft.com/office/drawing/2014/main" id="{6B95011A-AC36-8F34-8975-1EB289DB4AC8}"/>
+              </a:ext>
+            </a:extLst>
+          </p:cNvPr>
+          <p:cNvCxnSpPr>
+            <a:stCxn id="92" idx="2"/>
+            <a:endCxn id="96" idx="0"/>
+          </p:cNvCxnSpPr>
+          <p:nvPr/>
+        </p:nvCxnSpPr>
+        <p:spPr>
+          <a:xfrm rot="16200000" flipH="1">
+            <a:off x="10505420" y="2382720"/>
+            <a:ext cx="221514" cy="1"/>
+          </a:xfrm>
+          <a:prstGeom prst="bentConnector3">
+            <a:avLst/>
+          </a:prstGeom>
+          <a:ln>
+            <a:tailEnd type="triangle"/>
+          </a:ln>
+        </p:spPr>
+        <p:style>
+          <a:lnRef idx="2">
+            <a:schemeClr val="accent1"/>
+          </a:lnRef>
+          <a:fillRef idx="0">
+            <a:schemeClr val="accent1"/>
+          </a:fillRef>
+          <a:effectRef idx="1">
+            <a:schemeClr val="accent1"/>
+          </a:effectRef>
+          <a:fontRef idx="minor">
+            <a:schemeClr val="tx1"/>
+          </a:fontRef>
+        </p:style>
+      </p:cxnSp>
+      <p:cxnSp>
+        <p:nvCxnSpPr>
+          <p:cNvPr id="131" name="Connector: Elbow 130">
+            <a:extLst>
+              <a:ext uri="{FF2B5EF4-FFF2-40B4-BE49-F238E27FC236}">
+                <a16:creationId xmlns:a16="http://schemas.microsoft.com/office/drawing/2014/main" id="{16CE5B0E-A90E-22FD-7D12-B346A44EE6D9}"/>
+              </a:ext>
+            </a:extLst>
+          </p:cNvPr>
+          <p:cNvCxnSpPr>
+            <a:stCxn id="93" idx="2"/>
+            <a:endCxn id="97" idx="0"/>
+          </p:cNvCxnSpPr>
+          <p:nvPr/>
+        </p:nvCxnSpPr>
+        <p:spPr>
+          <a:xfrm rot="16200000" flipH="1">
+            <a:off x="11468106" y="2377208"/>
+            <a:ext cx="152265" cy="80273"/>
+          </a:xfrm>
+          <a:prstGeom prst="bentConnector3">
+            <a:avLst/>
+          </a:prstGeom>
+          <a:ln>
+            <a:tailEnd type="triangle"/>
+          </a:ln>
+        </p:spPr>
+        <p:style>
+          <a:lnRef idx="2">
+            <a:schemeClr val="accent1"/>
+          </a:lnRef>
+          <a:fillRef idx="0">
+            <a:schemeClr val="accent1"/>
+          </a:fillRef>
+          <a:effectRef idx="1">
+            <a:schemeClr val="accent1"/>
+          </a:effectRef>
+          <a:fontRef idx="minor">
+            <a:schemeClr val="tx1"/>
+          </a:fontRef>
+        </p:style>
+      </p:cxnSp>
+    </p:spTree>
+    <p:extLst>
+      <p:ext uri="{BB962C8B-B14F-4D97-AF65-F5344CB8AC3E}">
+        <p14:creationId xmlns:p14="http://schemas.microsoft.com/office/powerpoint/2010/main" val="3505149788"/>
       </p:ext>
     </p:extLst>
   </p:cSld>
